--- a/pjt/플로우 차트.pptx
+++ b/pjt/플로우 차트.pptx
@@ -306,7 +306,7 @@
             <a:fld id="{325CF8E8-F4C6-42B7-BCCF-E200BCA0053A}" type="datetimeFigureOut">
               <a:rPr lang="ko-KR" altLang="en-US" smtClean="0"/>
               <a:pPr/>
-              <a:t>2023-06-12</a:t>
+              <a:t>2023-06-27</a:t>
             </a:fld>
             <a:endParaRPr lang="ko-KR" altLang="en-US"/>
           </a:p>
@@ -473,7 +473,7 @@
             <a:fld id="{325CF8E8-F4C6-42B7-BCCF-E200BCA0053A}" type="datetimeFigureOut">
               <a:rPr lang="ko-KR" altLang="en-US" smtClean="0"/>
               <a:pPr/>
-              <a:t>2023-06-12</a:t>
+              <a:t>2023-06-27</a:t>
             </a:fld>
             <a:endParaRPr lang="ko-KR" altLang="en-US"/>
           </a:p>
@@ -650,7 +650,7 @@
             <a:fld id="{325CF8E8-F4C6-42B7-BCCF-E200BCA0053A}" type="datetimeFigureOut">
               <a:rPr lang="ko-KR" altLang="en-US" smtClean="0"/>
               <a:pPr/>
-              <a:t>2023-06-12</a:t>
+              <a:t>2023-06-27</a:t>
             </a:fld>
             <a:endParaRPr lang="ko-KR" altLang="en-US"/>
           </a:p>
@@ -817,7 +817,7 @@
             <a:fld id="{325CF8E8-F4C6-42B7-BCCF-E200BCA0053A}" type="datetimeFigureOut">
               <a:rPr lang="ko-KR" altLang="en-US" smtClean="0"/>
               <a:pPr/>
-              <a:t>2023-06-12</a:t>
+              <a:t>2023-06-27</a:t>
             </a:fld>
             <a:endParaRPr lang="ko-KR" altLang="en-US"/>
           </a:p>
@@ -1060,7 +1060,7 @@
             <a:fld id="{325CF8E8-F4C6-42B7-BCCF-E200BCA0053A}" type="datetimeFigureOut">
               <a:rPr lang="ko-KR" altLang="en-US" smtClean="0"/>
               <a:pPr/>
-              <a:t>2023-06-12</a:t>
+              <a:t>2023-06-27</a:t>
             </a:fld>
             <a:endParaRPr lang="ko-KR" altLang="en-US"/>
           </a:p>
@@ -1345,7 +1345,7 @@
             <a:fld id="{325CF8E8-F4C6-42B7-BCCF-E200BCA0053A}" type="datetimeFigureOut">
               <a:rPr lang="ko-KR" altLang="en-US" smtClean="0"/>
               <a:pPr/>
-              <a:t>2023-06-12</a:t>
+              <a:t>2023-06-27</a:t>
             </a:fld>
             <a:endParaRPr lang="ko-KR" altLang="en-US"/>
           </a:p>
@@ -1764,7 +1764,7 @@
             <a:fld id="{325CF8E8-F4C6-42B7-BCCF-E200BCA0053A}" type="datetimeFigureOut">
               <a:rPr lang="ko-KR" altLang="en-US" smtClean="0"/>
               <a:pPr/>
-              <a:t>2023-06-12</a:t>
+              <a:t>2023-06-27</a:t>
             </a:fld>
             <a:endParaRPr lang="ko-KR" altLang="en-US"/>
           </a:p>
@@ -1879,7 +1879,7 @@
             <a:fld id="{325CF8E8-F4C6-42B7-BCCF-E200BCA0053A}" type="datetimeFigureOut">
               <a:rPr lang="ko-KR" altLang="en-US" smtClean="0"/>
               <a:pPr/>
-              <a:t>2023-06-12</a:t>
+              <a:t>2023-06-27</a:t>
             </a:fld>
             <a:endParaRPr lang="ko-KR" altLang="en-US"/>
           </a:p>
@@ -1971,7 +1971,7 @@
             <a:fld id="{325CF8E8-F4C6-42B7-BCCF-E200BCA0053A}" type="datetimeFigureOut">
               <a:rPr lang="ko-KR" altLang="en-US" smtClean="0"/>
               <a:pPr/>
-              <a:t>2023-06-12</a:t>
+              <a:t>2023-06-27</a:t>
             </a:fld>
             <a:endParaRPr lang="ko-KR" altLang="en-US"/>
           </a:p>
@@ -2245,7 +2245,7 @@
             <a:fld id="{325CF8E8-F4C6-42B7-BCCF-E200BCA0053A}" type="datetimeFigureOut">
               <a:rPr lang="ko-KR" altLang="en-US" smtClean="0"/>
               <a:pPr/>
-              <a:t>2023-06-12</a:t>
+              <a:t>2023-06-27</a:t>
             </a:fld>
             <a:endParaRPr lang="ko-KR" altLang="en-US"/>
           </a:p>
@@ -2499,7 +2499,7 @@
             <a:fld id="{325CF8E8-F4C6-42B7-BCCF-E200BCA0053A}" type="datetimeFigureOut">
               <a:rPr lang="ko-KR" altLang="en-US" smtClean="0"/>
               <a:pPr/>
-              <a:t>2023-06-12</a:t>
+              <a:t>2023-06-27</a:t>
             </a:fld>
             <a:endParaRPr lang="ko-KR" altLang="en-US"/>
           </a:p>
@@ -2709,7 +2709,7 @@
             <a:fld id="{325CF8E8-F4C6-42B7-BCCF-E200BCA0053A}" type="datetimeFigureOut">
               <a:rPr lang="ko-KR" altLang="en-US" smtClean="0"/>
               <a:pPr/>
-              <a:t>2023-06-12</a:t>
+              <a:t>2023-06-27</a:t>
             </a:fld>
             <a:endParaRPr lang="ko-KR" altLang="en-US"/>
           </a:p>
@@ -3535,7 +3535,7 @@
         </p:nvSpPr>
         <p:spPr>
           <a:xfrm>
-            <a:off x="5596082" y="2554419"/>
+            <a:off x="5596082" y="3222810"/>
             <a:ext cx="926131" cy="307777"/>
           </a:xfrm>
           <a:prstGeom prst="rect">
@@ -3584,7 +3584,7 @@
         </p:nvSpPr>
         <p:spPr>
           <a:xfrm>
-            <a:off x="5596081" y="3121737"/>
+            <a:off x="5596081" y="3790128"/>
             <a:ext cx="926131" cy="307777"/>
           </a:xfrm>
           <a:prstGeom prst="rect">
@@ -3633,7 +3633,7 @@
         </p:nvSpPr>
         <p:spPr>
           <a:xfrm>
-            <a:off x="5596080" y="3697287"/>
+            <a:off x="5596080" y="4365678"/>
             <a:ext cx="926131" cy="307777"/>
           </a:xfrm>
           <a:prstGeom prst="rect">
@@ -3996,7 +3996,7 @@
         </p:nvSpPr>
         <p:spPr>
           <a:xfrm>
-            <a:off x="6888685" y="3119300"/>
+            <a:off x="6888685" y="3787691"/>
             <a:ext cx="1057305" cy="307777"/>
           </a:xfrm>
           <a:prstGeom prst="rect">
@@ -4287,13 +4287,13 @@
           <p:nvPr/>
         </p:nvCxnSpPr>
         <p:spPr>
-          <a:xfrm rot="16200000" flipH="1">
-            <a:off x="4980631" y="2102788"/>
-            <a:ext cx="998908" cy="231991"/>
+          <a:xfrm>
+            <a:off x="6488435" y="2218702"/>
+            <a:ext cx="354460" cy="316316"/>
           </a:xfrm>
           <a:prstGeom prst="bentConnector3">
             <a:avLst>
-              <a:gd name="adj1" fmla="val 100763"/>
+              <a:gd name="adj1" fmla="val 50000"/>
             </a:avLst>
           </a:prstGeom>
           <a:ln>
@@ -4318,18 +4318,18 @@
       <p:cxnSp>
         <p:nvCxnSpPr>
           <p:cNvPr id="84" name="꺾인 연결선 83"/>
-          <p:cNvCxnSpPr/>
+          <p:cNvCxnSpPr>
+            <a:endCxn id="48" idx="1"/>
+          </p:cNvCxnSpPr>
           <p:nvPr/>
         </p:nvCxnSpPr>
         <p:spPr>
           <a:xfrm rot="16200000" flipH="1">
-            <a:off x="4976616" y="2658824"/>
-            <a:ext cx="998908" cy="231991"/>
-          </a:xfrm>
-          <a:prstGeom prst="bentConnector3">
-            <a:avLst>
-              <a:gd name="adj1" fmla="val 100763"/>
-            </a:avLst>
+            <a:off x="4881365" y="2661981"/>
+            <a:ext cx="1199515" cy="229919"/>
+          </a:xfrm>
+          <a:prstGeom prst="bentConnector2">
+            <a:avLst/>
           </a:prstGeom>
           <a:ln>
             <a:tailEnd type="triangle"/>
@@ -4358,12 +4358,12 @@
         </p:nvCxnSpPr>
         <p:spPr>
           <a:xfrm rot="16200000" flipH="1">
-            <a:off x="4979130" y="3224888"/>
-            <a:ext cx="998908" cy="231991"/>
+            <a:off x="4854492" y="3779858"/>
+            <a:ext cx="1239031" cy="227863"/>
           </a:xfrm>
           <a:prstGeom prst="bentConnector3">
             <a:avLst>
-              <a:gd name="adj1" fmla="val 100763"/>
+              <a:gd name="adj1" fmla="val 100318"/>
             </a:avLst>
           </a:prstGeom>
           <a:ln>
@@ -4707,7 +4707,7 @@
         </p:nvCxnSpPr>
         <p:spPr>
           <a:xfrm flipV="1">
-            <a:off x="6522212" y="3273189"/>
+            <a:off x="6522212" y="3941580"/>
             <a:ext cx="366473" cy="2437"/>
           </a:xfrm>
           <a:prstGeom prst="bentConnector3">
@@ -4744,7 +4744,7 @@
         <p:spPr>
           <a:xfrm>
             <a:off x="4644489" y="2875123"/>
-            <a:ext cx="951592" cy="400503"/>
+            <a:ext cx="951592" cy="1068894"/>
           </a:xfrm>
           <a:prstGeom prst="bentConnector3">
             <a:avLst/>
@@ -4776,7 +4776,7 @@
         </p:nvSpPr>
         <p:spPr>
           <a:xfrm>
-            <a:off x="6888685" y="2564349"/>
+            <a:off x="6888685" y="3232740"/>
             <a:ext cx="1057305" cy="307777"/>
           </a:xfrm>
           <a:prstGeom prst="rect">
@@ -4830,7 +4830,7 @@
         </p:nvCxnSpPr>
         <p:spPr>
           <a:xfrm>
-            <a:off x="6522213" y="2708308"/>
+            <a:off x="6522213" y="3376699"/>
             <a:ext cx="366472" cy="9930"/>
           </a:xfrm>
           <a:prstGeom prst="bentConnector3">
@@ -5077,6 +5077,409 @@
             <a:ext cx="306740" cy="27421"/>
           </a:xfrm>
           <a:prstGeom prst="bentConnector3">
+            <a:avLst/>
+          </a:prstGeom>
+          <a:ln>
+            <a:tailEnd type="triangle"/>
+          </a:ln>
+        </p:spPr>
+        <p:style>
+          <a:lnRef idx="1">
+            <a:schemeClr val="accent1"/>
+          </a:lnRef>
+          <a:fillRef idx="0">
+            <a:schemeClr val="accent1"/>
+          </a:fillRef>
+          <a:effectRef idx="0">
+            <a:schemeClr val="accent1"/>
+          </a:effectRef>
+          <a:fontRef idx="minor">
+            <a:schemeClr val="tx1"/>
+          </a:fontRef>
+        </p:style>
+      </p:cxnSp>
+      <p:sp>
+        <p:nvSpPr>
+          <p:cNvPr id="59" name="TextBox 58"/>
+          <p:cNvSpPr txBox="1"/>
+          <p:nvPr/>
+        </p:nvSpPr>
+        <p:spPr>
+          <a:xfrm>
+            <a:off x="6864599" y="1967762"/>
+            <a:ext cx="1081391" cy="276999"/>
+          </a:xfrm>
+          <a:prstGeom prst="rect">
+            <a:avLst/>
+          </a:prstGeom>
+          <a:ln>
+            <a:solidFill>
+              <a:schemeClr val="accent3">
+                <a:lumMod val="75000"/>
+              </a:schemeClr>
+            </a:solidFill>
+          </a:ln>
+        </p:spPr>
+        <p:style>
+          <a:lnRef idx="2">
+            <a:schemeClr val="accent3"/>
+          </a:lnRef>
+          <a:fillRef idx="1">
+            <a:schemeClr val="lt1"/>
+          </a:fillRef>
+          <a:effectRef idx="0">
+            <a:schemeClr val="accent3"/>
+          </a:effectRef>
+          <a:fontRef idx="minor">
+            <a:schemeClr val="dk1"/>
+          </a:fontRef>
+        </p:style>
+        <p:txBody>
+          <a:bodyPr wrap="square" rtlCol="0">
+            <a:spAutoFit/>
+          </a:bodyPr>
+          <a:lstStyle/>
+          <a:p>
+            <a:pPr algn="ctr"/>
+            <a:r>
+              <a:rPr lang="ko-KR" altLang="en-US" sz="1200" dirty="0" smtClean="0"/>
+              <a:t>메인 페이지</a:t>
+            </a:r>
+            <a:endParaRPr lang="ko-KR" altLang="en-US" sz="1200" dirty="0"/>
+          </a:p>
+        </p:txBody>
+      </p:sp>
+      <p:cxnSp>
+        <p:nvCxnSpPr>
+          <p:cNvPr id="60" name="꺾인 연결선 59"/>
+          <p:cNvCxnSpPr/>
+          <p:nvPr/>
+        </p:nvCxnSpPr>
+        <p:spPr>
+          <a:xfrm>
+            <a:off x="6516216" y="2103793"/>
+            <a:ext cx="366472" cy="9930"/>
+          </a:xfrm>
+          <a:prstGeom prst="bentConnector3">
+            <a:avLst>
+              <a:gd name="adj1" fmla="val 106707"/>
+            </a:avLst>
+          </a:prstGeom>
+          <a:ln>
+            <a:tailEnd type="triangle"/>
+          </a:ln>
+        </p:spPr>
+        <p:style>
+          <a:lnRef idx="1">
+            <a:schemeClr val="accent1"/>
+          </a:lnRef>
+          <a:fillRef idx="0">
+            <a:schemeClr val="accent1"/>
+          </a:fillRef>
+          <a:effectRef idx="0">
+            <a:schemeClr val="accent1"/>
+          </a:effectRef>
+          <a:fontRef idx="minor">
+            <a:schemeClr val="tx1"/>
+          </a:fontRef>
+        </p:style>
+      </p:cxnSp>
+      <p:sp>
+        <p:nvSpPr>
+          <p:cNvPr id="73" name="TextBox 72"/>
+          <p:cNvSpPr txBox="1"/>
+          <p:nvPr/>
+        </p:nvSpPr>
+        <p:spPr>
+          <a:xfrm>
+            <a:off x="6842895" y="2368825"/>
+            <a:ext cx="1200175" cy="430887"/>
+          </a:xfrm>
+          <a:prstGeom prst="rect">
+            <a:avLst/>
+          </a:prstGeom>
+          <a:ln>
+            <a:solidFill>
+              <a:schemeClr val="accent3">
+                <a:lumMod val="75000"/>
+              </a:schemeClr>
+            </a:solidFill>
+          </a:ln>
+        </p:spPr>
+        <p:style>
+          <a:lnRef idx="2">
+            <a:schemeClr val="accent3"/>
+          </a:lnRef>
+          <a:fillRef idx="1">
+            <a:schemeClr val="lt1"/>
+          </a:fillRef>
+          <a:effectRef idx="0">
+            <a:schemeClr val="accent3"/>
+          </a:effectRef>
+          <a:fontRef idx="minor">
+            <a:schemeClr val="dk1"/>
+          </a:fontRef>
+        </p:style>
+        <p:txBody>
+          <a:bodyPr wrap="square" rtlCol="0">
+            <a:spAutoFit/>
+          </a:bodyPr>
+          <a:lstStyle/>
+          <a:p>
+            <a:pPr algn="ctr"/>
+            <a:r>
+              <a:rPr lang="ko-KR" altLang="en-US" sz="1100" dirty="0" smtClean="0"/>
+              <a:t>아이디</a:t>
+            </a:r>
+            <a:r>
+              <a:rPr lang="en-US" altLang="ko-KR" sz="1100" dirty="0"/>
+              <a:t>,</a:t>
+            </a:r>
+            <a:r>
+              <a:rPr lang="ko-KR" altLang="en-US" sz="1100" dirty="0" smtClean="0"/>
+              <a:t>비밀번호 찾기</a:t>
+            </a:r>
+            <a:endParaRPr lang="ko-KR" altLang="en-US" sz="1100" dirty="0"/>
+          </a:p>
+        </p:txBody>
+      </p:sp>
+      <p:sp>
+        <p:nvSpPr>
+          <p:cNvPr id="87" name="TextBox 86"/>
+          <p:cNvSpPr txBox="1"/>
+          <p:nvPr/>
+        </p:nvSpPr>
+        <p:spPr>
+          <a:xfrm>
+            <a:off x="6898702" y="4365104"/>
+            <a:ext cx="1057305" cy="307777"/>
+          </a:xfrm>
+          <a:prstGeom prst="rect">
+            <a:avLst/>
+          </a:prstGeom>
+          <a:ln>
+            <a:solidFill>
+              <a:schemeClr val="accent3">
+                <a:lumMod val="75000"/>
+              </a:schemeClr>
+            </a:solidFill>
+          </a:ln>
+        </p:spPr>
+        <p:style>
+          <a:lnRef idx="2">
+            <a:schemeClr val="accent3"/>
+          </a:lnRef>
+          <a:fillRef idx="1">
+            <a:schemeClr val="lt1"/>
+          </a:fillRef>
+          <a:effectRef idx="0">
+            <a:schemeClr val="accent3"/>
+          </a:effectRef>
+          <a:fontRef idx="minor">
+            <a:schemeClr val="dk1"/>
+          </a:fontRef>
+        </p:style>
+        <p:txBody>
+          <a:bodyPr wrap="square" rtlCol="0">
+            <a:spAutoFit/>
+          </a:bodyPr>
+          <a:lstStyle/>
+          <a:p>
+            <a:pPr algn="ctr"/>
+            <a:r>
+              <a:rPr lang="ko-KR" altLang="en-US" sz="1400" dirty="0" smtClean="0"/>
+              <a:t>공지사항</a:t>
+            </a:r>
+            <a:endParaRPr lang="ko-KR" altLang="en-US" sz="1400" dirty="0"/>
+          </a:p>
+        </p:txBody>
+      </p:sp>
+      <p:sp>
+        <p:nvSpPr>
+          <p:cNvPr id="88" name="TextBox 87"/>
+          <p:cNvSpPr txBox="1"/>
+          <p:nvPr/>
+        </p:nvSpPr>
+        <p:spPr>
+          <a:xfrm>
+            <a:off x="6910026" y="4781668"/>
+            <a:ext cx="1057305" cy="307777"/>
+          </a:xfrm>
+          <a:prstGeom prst="rect">
+            <a:avLst/>
+          </a:prstGeom>
+          <a:ln>
+            <a:solidFill>
+              <a:schemeClr val="accent3">
+                <a:lumMod val="75000"/>
+              </a:schemeClr>
+            </a:solidFill>
+          </a:ln>
+        </p:spPr>
+        <p:style>
+          <a:lnRef idx="2">
+            <a:schemeClr val="accent3"/>
+          </a:lnRef>
+          <a:fillRef idx="1">
+            <a:schemeClr val="lt1"/>
+          </a:fillRef>
+          <a:effectRef idx="0">
+            <a:schemeClr val="accent3"/>
+          </a:effectRef>
+          <a:fontRef idx="minor">
+            <a:schemeClr val="dk1"/>
+          </a:fontRef>
+        </p:style>
+        <p:txBody>
+          <a:bodyPr wrap="square" rtlCol="0">
+            <a:spAutoFit/>
+          </a:bodyPr>
+          <a:lstStyle/>
+          <a:p>
+            <a:pPr algn="ctr"/>
+            <a:r>
+              <a:rPr lang="en-US" altLang="ko-KR" sz="1400" dirty="0" smtClean="0"/>
+              <a:t>FAQ</a:t>
+            </a:r>
+            <a:endParaRPr lang="ko-KR" altLang="en-US" sz="1400" dirty="0"/>
+          </a:p>
+        </p:txBody>
+      </p:sp>
+      <p:sp>
+        <p:nvSpPr>
+          <p:cNvPr id="89" name="TextBox 88"/>
+          <p:cNvSpPr txBox="1"/>
+          <p:nvPr/>
+        </p:nvSpPr>
+        <p:spPr>
+          <a:xfrm>
+            <a:off x="6898701" y="5189691"/>
+            <a:ext cx="1057305" cy="307777"/>
+          </a:xfrm>
+          <a:prstGeom prst="rect">
+            <a:avLst/>
+          </a:prstGeom>
+          <a:ln>
+            <a:solidFill>
+              <a:schemeClr val="accent3">
+                <a:lumMod val="75000"/>
+              </a:schemeClr>
+            </a:solidFill>
+          </a:ln>
+        </p:spPr>
+        <p:style>
+          <a:lnRef idx="2">
+            <a:schemeClr val="accent3"/>
+          </a:lnRef>
+          <a:fillRef idx="1">
+            <a:schemeClr val="lt1"/>
+          </a:fillRef>
+          <a:effectRef idx="0">
+            <a:schemeClr val="accent3"/>
+          </a:effectRef>
+          <a:fontRef idx="minor">
+            <a:schemeClr val="dk1"/>
+          </a:fontRef>
+        </p:style>
+        <p:txBody>
+          <a:bodyPr wrap="square" rtlCol="0">
+            <a:spAutoFit/>
+          </a:bodyPr>
+          <a:lstStyle/>
+          <a:p>
+            <a:pPr algn="ctr"/>
+            <a:r>
+              <a:rPr lang="en-US" altLang="ko-KR" sz="1400" dirty="0" err="1" smtClean="0"/>
+              <a:t>QnA</a:t>
+            </a:r>
+            <a:endParaRPr lang="ko-KR" altLang="en-US" sz="1400" dirty="0"/>
+          </a:p>
+        </p:txBody>
+      </p:sp>
+      <p:cxnSp>
+        <p:nvCxnSpPr>
+          <p:cNvPr id="91" name="꺾인 연결선 90"/>
+          <p:cNvCxnSpPr/>
+          <p:nvPr/>
+        </p:nvCxnSpPr>
+        <p:spPr>
+          <a:xfrm flipV="1">
+            <a:off x="6516216" y="4510868"/>
+            <a:ext cx="366473" cy="2437"/>
+          </a:xfrm>
+          <a:prstGeom prst="bentConnector3">
+            <a:avLst/>
+          </a:prstGeom>
+          <a:ln>
+            <a:tailEnd type="triangle"/>
+          </a:ln>
+        </p:spPr>
+        <p:style>
+          <a:lnRef idx="1">
+            <a:schemeClr val="accent1"/>
+          </a:lnRef>
+          <a:fillRef idx="0">
+            <a:schemeClr val="accent1"/>
+          </a:fillRef>
+          <a:effectRef idx="0">
+            <a:schemeClr val="accent1"/>
+          </a:effectRef>
+          <a:fontRef idx="minor">
+            <a:schemeClr val="tx1"/>
+          </a:fontRef>
+        </p:style>
+      </p:cxnSp>
+      <p:cxnSp>
+        <p:nvCxnSpPr>
+          <p:cNvPr id="92" name="꺾인 연결선 91"/>
+          <p:cNvCxnSpPr>
+            <a:endCxn id="88" idx="1"/>
+          </p:cNvCxnSpPr>
+          <p:nvPr/>
+        </p:nvCxnSpPr>
+        <p:spPr>
+          <a:xfrm>
+            <a:off x="6538224" y="4595988"/>
+            <a:ext cx="371802" cy="339569"/>
+          </a:xfrm>
+          <a:prstGeom prst="bentConnector3">
+            <a:avLst>
+              <a:gd name="adj1" fmla="val 50000"/>
+            </a:avLst>
+          </a:prstGeom>
+          <a:ln>
+            <a:tailEnd type="triangle"/>
+          </a:ln>
+        </p:spPr>
+        <p:style>
+          <a:lnRef idx="1">
+            <a:schemeClr val="accent1"/>
+          </a:lnRef>
+          <a:fillRef idx="0">
+            <a:schemeClr val="accent1"/>
+          </a:fillRef>
+          <a:effectRef idx="0">
+            <a:schemeClr val="accent1"/>
+          </a:effectRef>
+          <a:fontRef idx="minor">
+            <a:schemeClr val="tx1"/>
+          </a:fontRef>
+        </p:style>
+      </p:cxnSp>
+      <p:cxnSp>
+        <p:nvCxnSpPr>
+          <p:cNvPr id="94" name="꺾인 연결선 93"/>
+          <p:cNvCxnSpPr>
+            <a:endCxn id="89" idx="1"/>
+          </p:cNvCxnSpPr>
+          <p:nvPr/>
+        </p:nvCxnSpPr>
+        <p:spPr>
+          <a:xfrm rot="16200000" flipH="1">
+            <a:off x="6266608" y="4711486"/>
+            <a:ext cx="666025" cy="598162"/>
+          </a:xfrm>
+          <a:prstGeom prst="bentConnector2">
             <a:avLst/>
           </a:prstGeom>
           <a:ln>
@@ -5138,7 +5541,7 @@
         </p:nvSpPr>
         <p:spPr>
           <a:xfrm>
-            <a:off x="3779911" y="115804"/>
+            <a:off x="3347863" y="102754"/>
             <a:ext cx="1584176" cy="338554"/>
           </a:xfrm>
           <a:prstGeom prst="rect">
@@ -5187,7 +5590,7 @@
         </p:nvSpPr>
         <p:spPr>
           <a:xfrm>
-            <a:off x="2380256" y="2363754"/>
+            <a:off x="1948208" y="2350704"/>
             <a:ext cx="912099" cy="276999"/>
           </a:xfrm>
           <a:prstGeom prst="rect">
@@ -5248,7 +5651,7 @@
         </p:nvSpPr>
         <p:spPr>
           <a:xfrm>
-            <a:off x="2825809" y="1842475"/>
+            <a:off x="2393761" y="1829425"/>
             <a:ext cx="1170674" cy="307777"/>
           </a:xfrm>
           <a:prstGeom prst="rect">
@@ -5299,7 +5702,7 @@
         </p:nvSpPr>
         <p:spPr>
           <a:xfrm>
-            <a:off x="2380256" y="2868760"/>
+            <a:off x="1948208" y="2855710"/>
             <a:ext cx="912099" cy="276999"/>
           </a:xfrm>
           <a:prstGeom prst="rect">
@@ -5348,7 +5751,7 @@
         </p:nvSpPr>
         <p:spPr>
           <a:xfrm>
-            <a:off x="2380258" y="3883195"/>
+            <a:off x="1948210" y="3870145"/>
             <a:ext cx="912098" cy="276999"/>
           </a:xfrm>
           <a:prstGeom prst="rect">
@@ -5405,7 +5808,7 @@
         </p:nvSpPr>
         <p:spPr>
           <a:xfrm>
-            <a:off x="2380258" y="3366042"/>
+            <a:off x="1948210" y="3352992"/>
             <a:ext cx="912098" cy="276999"/>
           </a:xfrm>
           <a:prstGeom prst="rect">
@@ -5462,7 +5865,7 @@
         </p:nvSpPr>
         <p:spPr>
           <a:xfrm>
-            <a:off x="6558826" y="5234808"/>
+            <a:off x="6126778" y="5221758"/>
             <a:ext cx="818641" cy="276999"/>
           </a:xfrm>
           <a:prstGeom prst="rect">
@@ -5514,7 +5917,7 @@
         </p:nvSpPr>
         <p:spPr>
           <a:xfrm>
-            <a:off x="4720534" y="3784694"/>
+            <a:off x="4288486" y="3771644"/>
             <a:ext cx="818641" cy="276999"/>
           </a:xfrm>
           <a:prstGeom prst="rect">
@@ -5566,8 +5969,379 @@
         </p:nvSpPr>
         <p:spPr>
           <a:xfrm>
-            <a:off x="7989789" y="4604377"/>
+            <a:off x="7557741" y="4591327"/>
             <a:ext cx="818641" cy="276999"/>
+          </a:xfrm>
+          <a:prstGeom prst="rect">
+            <a:avLst/>
+          </a:prstGeom>
+          <a:ln>
+            <a:solidFill>
+              <a:srgbClr val="00B050"/>
+            </a:solidFill>
+          </a:ln>
+        </p:spPr>
+        <p:style>
+          <a:lnRef idx="2">
+            <a:schemeClr val="accent3"/>
+          </a:lnRef>
+          <a:fillRef idx="1">
+            <a:schemeClr val="lt1"/>
+          </a:fillRef>
+          <a:effectRef idx="0">
+            <a:schemeClr val="accent3"/>
+          </a:effectRef>
+          <a:fontRef idx="minor">
+            <a:schemeClr val="dk1"/>
+          </a:fontRef>
+        </p:style>
+        <p:txBody>
+          <a:bodyPr wrap="square" rtlCol="0">
+            <a:spAutoFit/>
+          </a:bodyPr>
+          <a:lstStyle/>
+          <a:p>
+            <a:pPr algn="ctr"/>
+            <a:r>
+              <a:rPr lang="ko-KR" altLang="en-US" sz="1200" dirty="0" smtClean="0"/>
+              <a:t>로그인</a:t>
+            </a:r>
+            <a:endParaRPr lang="ko-KR" altLang="en-US" sz="1200" dirty="0"/>
+          </a:p>
+        </p:txBody>
+      </p:sp>
+      <p:sp>
+        <p:nvSpPr>
+          <p:cNvPr id="52" name="TextBox 51"/>
+          <p:cNvSpPr txBox="1"/>
+          <p:nvPr/>
+        </p:nvSpPr>
+        <p:spPr>
+          <a:xfrm>
+            <a:off x="3118881" y="3084847"/>
+            <a:ext cx="891107" cy="276999"/>
+          </a:xfrm>
+          <a:prstGeom prst="rect">
+            <a:avLst/>
+          </a:prstGeom>
+          <a:ln>
+            <a:solidFill>
+              <a:schemeClr val="accent1">
+                <a:lumMod val="60000"/>
+                <a:lumOff val="40000"/>
+              </a:schemeClr>
+            </a:solidFill>
+          </a:ln>
+        </p:spPr>
+        <p:style>
+          <a:lnRef idx="2">
+            <a:schemeClr val="accent3"/>
+          </a:lnRef>
+          <a:fillRef idx="1">
+            <a:schemeClr val="lt1"/>
+          </a:fillRef>
+          <a:effectRef idx="0">
+            <a:schemeClr val="accent3"/>
+          </a:effectRef>
+          <a:fontRef idx="minor">
+            <a:schemeClr val="dk1"/>
+          </a:fontRef>
+        </p:style>
+        <p:txBody>
+          <a:bodyPr wrap="square" rtlCol="0">
+            <a:spAutoFit/>
+          </a:bodyPr>
+          <a:lstStyle/>
+          <a:p>
+            <a:pPr algn="ctr"/>
+            <a:r>
+              <a:rPr lang="ko-KR" altLang="en-US" sz="1200" dirty="0" smtClean="0"/>
+              <a:t>상품 목록 </a:t>
+            </a:r>
+            <a:endParaRPr lang="en-US" altLang="ko-KR" sz="1200" dirty="0" smtClean="0"/>
+          </a:p>
+        </p:txBody>
+      </p:sp>
+      <p:sp>
+        <p:nvSpPr>
+          <p:cNvPr id="53" name="TextBox 52"/>
+          <p:cNvSpPr txBox="1"/>
+          <p:nvPr/>
+        </p:nvSpPr>
+        <p:spPr>
+          <a:xfrm>
+            <a:off x="4252254" y="2994209"/>
+            <a:ext cx="891107" cy="461665"/>
+          </a:xfrm>
+          <a:prstGeom prst="rect">
+            <a:avLst/>
+          </a:prstGeom>
+          <a:ln>
+            <a:solidFill>
+              <a:schemeClr val="accent1">
+                <a:lumMod val="60000"/>
+                <a:lumOff val="40000"/>
+              </a:schemeClr>
+            </a:solidFill>
+          </a:ln>
+        </p:spPr>
+        <p:style>
+          <a:lnRef idx="2">
+            <a:schemeClr val="accent3"/>
+          </a:lnRef>
+          <a:fillRef idx="1">
+            <a:schemeClr val="lt1"/>
+          </a:fillRef>
+          <a:effectRef idx="0">
+            <a:schemeClr val="accent3"/>
+          </a:effectRef>
+          <a:fontRef idx="minor">
+            <a:schemeClr val="dk1"/>
+          </a:fontRef>
+        </p:style>
+        <p:txBody>
+          <a:bodyPr wrap="square" rtlCol="0">
+            <a:spAutoFit/>
+          </a:bodyPr>
+          <a:lstStyle/>
+          <a:p>
+            <a:pPr algn="ctr"/>
+            <a:r>
+              <a:rPr lang="ko-KR" altLang="en-US" sz="1200" dirty="0" smtClean="0"/>
+              <a:t>상품 상세 </a:t>
+            </a:r>
+            <a:endParaRPr lang="en-US" altLang="ko-KR" sz="1200" dirty="0" smtClean="0"/>
+          </a:p>
+          <a:p>
+            <a:pPr algn="ctr"/>
+            <a:r>
+              <a:rPr lang="ko-KR" altLang="en-US" sz="1200" dirty="0" smtClean="0"/>
+              <a:t>페이지</a:t>
+            </a:r>
+            <a:endParaRPr lang="ko-KR" altLang="en-US" sz="1200" dirty="0"/>
+          </a:p>
+        </p:txBody>
+      </p:sp>
+      <p:sp>
+        <p:nvSpPr>
+          <p:cNvPr id="54" name="TextBox 53"/>
+          <p:cNvSpPr txBox="1"/>
+          <p:nvPr/>
+        </p:nvSpPr>
+        <p:spPr>
+          <a:xfrm>
+            <a:off x="6588224" y="1932880"/>
+            <a:ext cx="891107" cy="276999"/>
+          </a:xfrm>
+          <a:prstGeom prst="rect">
+            <a:avLst/>
+          </a:prstGeom>
+          <a:ln>
+            <a:solidFill>
+              <a:schemeClr val="accent1">
+                <a:lumMod val="75000"/>
+              </a:schemeClr>
+            </a:solidFill>
+          </a:ln>
+        </p:spPr>
+        <p:style>
+          <a:lnRef idx="2">
+            <a:schemeClr val="accent1"/>
+          </a:lnRef>
+          <a:fillRef idx="1">
+            <a:schemeClr val="lt1"/>
+          </a:fillRef>
+          <a:effectRef idx="0">
+            <a:schemeClr val="accent1"/>
+          </a:effectRef>
+          <a:fontRef idx="minor">
+            <a:schemeClr val="dk1"/>
+          </a:fontRef>
+        </p:style>
+        <p:txBody>
+          <a:bodyPr wrap="square" rtlCol="0">
+            <a:spAutoFit/>
+          </a:bodyPr>
+          <a:lstStyle/>
+          <a:p>
+            <a:pPr algn="ctr"/>
+            <a:r>
+              <a:rPr lang="en-US" altLang="ko-KR" sz="1200" dirty="0" err="1" smtClean="0"/>
+              <a:t>QnA</a:t>
+            </a:r>
+            <a:endParaRPr lang="ko-KR" altLang="en-US" sz="1200" dirty="0"/>
+          </a:p>
+        </p:txBody>
+      </p:sp>
+      <p:sp>
+        <p:nvSpPr>
+          <p:cNvPr id="55" name="TextBox 54"/>
+          <p:cNvSpPr txBox="1"/>
+          <p:nvPr/>
+        </p:nvSpPr>
+        <p:spPr>
+          <a:xfrm>
+            <a:off x="5580112" y="1831774"/>
+            <a:ext cx="891107" cy="461665"/>
+          </a:xfrm>
+          <a:prstGeom prst="rect">
+            <a:avLst/>
+          </a:prstGeom>
+          <a:ln>
+            <a:solidFill>
+              <a:schemeClr val="accent1">
+                <a:lumMod val="75000"/>
+              </a:schemeClr>
+            </a:solidFill>
+          </a:ln>
+        </p:spPr>
+        <p:style>
+          <a:lnRef idx="2">
+            <a:schemeClr val="accent1"/>
+          </a:lnRef>
+          <a:fillRef idx="1">
+            <a:schemeClr val="lt1"/>
+          </a:fillRef>
+          <a:effectRef idx="0">
+            <a:schemeClr val="accent1"/>
+          </a:effectRef>
+          <a:fontRef idx="minor">
+            <a:schemeClr val="dk1"/>
+          </a:fontRef>
+        </p:style>
+        <p:txBody>
+          <a:bodyPr wrap="square" rtlCol="0">
+            <a:spAutoFit/>
+          </a:bodyPr>
+          <a:lstStyle/>
+          <a:p>
+            <a:pPr algn="ctr"/>
+            <a:r>
+              <a:rPr lang="ko-KR" altLang="en-US" sz="1200" dirty="0" smtClean="0"/>
+              <a:t>우리 동네 </a:t>
+            </a:r>
+            <a:endParaRPr lang="en-US" altLang="ko-KR" sz="1200" dirty="0" smtClean="0"/>
+          </a:p>
+          <a:p>
+            <a:pPr algn="ctr"/>
+            <a:r>
+              <a:rPr lang="ko-KR" altLang="en-US" sz="1200" dirty="0" smtClean="0"/>
+              <a:t>정보</a:t>
+            </a:r>
+            <a:endParaRPr lang="en-US" altLang="ko-KR" sz="1200" dirty="0" smtClean="0"/>
+          </a:p>
+        </p:txBody>
+      </p:sp>
+      <p:sp>
+        <p:nvSpPr>
+          <p:cNvPr id="56" name="TextBox 55"/>
+          <p:cNvSpPr txBox="1"/>
+          <p:nvPr/>
+        </p:nvSpPr>
+        <p:spPr>
+          <a:xfrm>
+            <a:off x="7602079" y="1932880"/>
+            <a:ext cx="891107" cy="276999"/>
+          </a:xfrm>
+          <a:prstGeom prst="rect">
+            <a:avLst/>
+          </a:prstGeom>
+          <a:ln>
+            <a:solidFill>
+              <a:schemeClr val="accent1">
+                <a:lumMod val="75000"/>
+              </a:schemeClr>
+            </a:solidFill>
+          </a:ln>
+        </p:spPr>
+        <p:style>
+          <a:lnRef idx="2">
+            <a:schemeClr val="accent1"/>
+          </a:lnRef>
+          <a:fillRef idx="1">
+            <a:schemeClr val="lt1"/>
+          </a:fillRef>
+          <a:effectRef idx="0">
+            <a:schemeClr val="accent1"/>
+          </a:effectRef>
+          <a:fontRef idx="minor">
+            <a:schemeClr val="dk1"/>
+          </a:fontRef>
+        </p:style>
+        <p:txBody>
+          <a:bodyPr wrap="square" rtlCol="0">
+            <a:spAutoFit/>
+          </a:bodyPr>
+          <a:lstStyle/>
+          <a:p>
+            <a:pPr algn="ctr"/>
+            <a:r>
+              <a:rPr lang="ko-KR" altLang="en-US" sz="1200" dirty="0" smtClean="0"/>
+              <a:t>고객센터</a:t>
+            </a:r>
+            <a:endParaRPr lang="ko-KR" altLang="en-US" sz="1200" dirty="0"/>
+          </a:p>
+        </p:txBody>
+      </p:sp>
+      <p:sp>
+        <p:nvSpPr>
+          <p:cNvPr id="57" name="TextBox 56"/>
+          <p:cNvSpPr txBox="1"/>
+          <p:nvPr/>
+        </p:nvSpPr>
+        <p:spPr>
+          <a:xfrm>
+            <a:off x="5901557" y="6224262"/>
+            <a:ext cx="1101043" cy="276999"/>
+          </a:xfrm>
+          <a:prstGeom prst="rect">
+            <a:avLst/>
+          </a:prstGeom>
+          <a:ln>
+            <a:solidFill>
+              <a:srgbClr val="C00000"/>
+            </a:solidFill>
+          </a:ln>
+        </p:spPr>
+        <p:style>
+          <a:lnRef idx="2">
+            <a:schemeClr val="accent3"/>
+          </a:lnRef>
+          <a:fillRef idx="1">
+            <a:schemeClr val="lt1"/>
+          </a:fillRef>
+          <a:effectRef idx="0">
+            <a:schemeClr val="accent3"/>
+          </a:effectRef>
+          <a:fontRef idx="minor">
+            <a:schemeClr val="dk1"/>
+          </a:fontRef>
+        </p:style>
+        <p:txBody>
+          <a:bodyPr wrap="square" rtlCol="0">
+            <a:spAutoFit/>
+          </a:bodyPr>
+          <a:lstStyle/>
+          <a:p>
+            <a:pPr algn="ctr"/>
+            <a:r>
+              <a:rPr lang="ko-KR" altLang="en-US" sz="1200" smtClean="0"/>
+              <a:t>메인 페이지</a:t>
+            </a:r>
+            <a:endParaRPr lang="ko-KR" altLang="en-US" sz="1200" dirty="0"/>
+          </a:p>
+        </p:txBody>
+      </p:sp>
+      <p:sp>
+        <p:nvSpPr>
+          <p:cNvPr id="148" name="TextBox 147"/>
+          <p:cNvSpPr txBox="1"/>
+          <p:nvPr/>
+        </p:nvSpPr>
+        <p:spPr>
+          <a:xfrm>
+            <a:off x="6068010" y="5731239"/>
+            <a:ext cx="934591" cy="276999"/>
           </a:xfrm>
           <a:prstGeom prst="rect">
             <a:avLst/>
@@ -5604,7 +6378,7 @@
             <a:pPr algn="ctr"/>
             <a:r>
               <a:rPr lang="ko-KR" altLang="en-US" sz="1200" dirty="0" smtClean="0"/>
-              <a:t>로그인</a:t>
+              <a:t>가입 완료</a:t>
             </a:r>
             <a:endParaRPr lang="ko-KR" altLang="en-US" sz="1200" dirty="0"/>
           </a:p>
@@ -5612,13 +6386,13 @@
       </p:sp>
       <p:sp>
         <p:nvSpPr>
-          <p:cNvPr id="52" name="TextBox 51"/>
+          <p:cNvPr id="154" name="TextBox 153"/>
           <p:cNvSpPr txBox="1"/>
           <p:nvPr/>
         </p:nvSpPr>
         <p:spPr>
           <a:xfrm>
-            <a:off x="3550929" y="3097897"/>
+            <a:off x="5580112" y="2896906"/>
             <a:ext cx="891107" cy="276999"/>
           </a:xfrm>
           <a:prstGeom prst="rect">
@@ -5626,10 +6400,7 @@
           </a:prstGeom>
           <a:ln>
             <a:solidFill>
-              <a:schemeClr val="accent1">
-                <a:lumMod val="60000"/>
-                <a:lumOff val="40000"/>
-              </a:schemeClr>
+              <a:srgbClr val="00B0F0"/>
             </a:solidFill>
           </a:ln>
         </p:spPr>
@@ -5656,32 +6427,29 @@
             <a:pPr algn="ctr"/>
             <a:r>
               <a:rPr lang="ko-KR" altLang="en-US" sz="1200" dirty="0" smtClean="0"/>
-              <a:t>상품 목록 </a:t>
-            </a:r>
-            <a:endParaRPr lang="en-US" altLang="ko-KR" sz="1200" dirty="0" smtClean="0"/>
-          </a:p>
-        </p:txBody>
-      </p:sp>
-      <p:sp>
-        <p:nvSpPr>
-          <p:cNvPr id="53" name="TextBox 52"/>
+              <a:t>병원 추천</a:t>
+            </a:r>
+            <a:endParaRPr lang="ko-KR" altLang="en-US" sz="1200" dirty="0"/>
+          </a:p>
+        </p:txBody>
+      </p:sp>
+      <p:sp>
+        <p:nvSpPr>
+          <p:cNvPr id="156" name="TextBox 155"/>
           <p:cNvSpPr txBox="1"/>
           <p:nvPr/>
         </p:nvSpPr>
         <p:spPr>
           <a:xfrm>
-            <a:off x="4684302" y="3007259"/>
-            <a:ext cx="891107" cy="461665"/>
+            <a:off x="5580112" y="3284984"/>
+            <a:ext cx="891107" cy="276999"/>
           </a:xfrm>
           <a:prstGeom prst="rect">
             <a:avLst/>
           </a:prstGeom>
           <a:ln>
             <a:solidFill>
-              <a:schemeClr val="accent1">
-                <a:lumMod val="60000"/>
-                <a:lumOff val="40000"/>
-              </a:schemeClr>
+              <a:srgbClr val="00B0F0"/>
             </a:solidFill>
           </a:ln>
         </p:spPr>
@@ -5708,15 +6476,56 @@
             <a:pPr algn="ctr"/>
             <a:r>
               <a:rPr lang="ko-KR" altLang="en-US" sz="1200" dirty="0" smtClean="0"/>
-              <a:t>상품 상세 </a:t>
-            </a:r>
-            <a:endParaRPr lang="en-US" altLang="ko-KR" sz="1200" dirty="0" smtClean="0"/>
-          </a:p>
+              <a:t>미용 추천</a:t>
+            </a:r>
+            <a:endParaRPr lang="ko-KR" altLang="en-US" sz="1200" dirty="0"/>
+          </a:p>
+        </p:txBody>
+      </p:sp>
+      <p:sp>
+        <p:nvSpPr>
+          <p:cNvPr id="157" name="TextBox 156"/>
+          <p:cNvSpPr txBox="1"/>
+          <p:nvPr/>
+        </p:nvSpPr>
+        <p:spPr>
+          <a:xfrm>
+            <a:off x="5580112" y="2508828"/>
+            <a:ext cx="891107" cy="276999"/>
+          </a:xfrm>
+          <a:prstGeom prst="rect">
+            <a:avLst/>
+          </a:prstGeom>
+          <a:ln>
+            <a:solidFill>
+              <a:srgbClr val="00B0F0"/>
+            </a:solidFill>
+          </a:ln>
+        </p:spPr>
+        <p:style>
+          <a:lnRef idx="2">
+            <a:schemeClr val="accent3"/>
+          </a:lnRef>
+          <a:fillRef idx="1">
+            <a:schemeClr val="lt1"/>
+          </a:fillRef>
+          <a:effectRef idx="0">
+            <a:schemeClr val="accent3"/>
+          </a:effectRef>
+          <a:fontRef idx="minor">
+            <a:schemeClr val="dk1"/>
+          </a:fontRef>
+        </p:style>
+        <p:txBody>
+          <a:bodyPr wrap="square" rtlCol="0">
+            <a:spAutoFit/>
+          </a:bodyPr>
+          <a:lstStyle/>
           <a:p>
             <a:pPr algn="ctr"/>
             <a:r>
               <a:rPr lang="ko-KR" altLang="en-US" sz="1200" dirty="0" smtClean="0"/>
-              <a:t>페이지</a:t>
+              <a:t>친구 찾기</a:t>
             </a:r>
             <a:endParaRPr lang="ko-KR" altLang="en-US" sz="1200" dirty="0"/>
           </a:p>
@@ -5724,14 +6533,116 @@
       </p:sp>
       <p:sp>
         <p:nvSpPr>
-          <p:cNvPr id="54" name="TextBox 53"/>
+          <p:cNvPr id="59" name="TextBox 58"/>
           <p:cNvSpPr txBox="1"/>
           <p:nvPr/>
         </p:nvSpPr>
         <p:spPr>
           <a:xfrm>
-            <a:off x="7020272" y="1945930"/>
-            <a:ext cx="891107" cy="276999"/>
+            <a:off x="323528" y="1319334"/>
+            <a:ext cx="1308406" cy="307777"/>
+          </a:xfrm>
+          <a:prstGeom prst="rect">
+            <a:avLst/>
+          </a:prstGeom>
+          <a:ln>
+            <a:solidFill>
+              <a:schemeClr val="accent6">
+                <a:lumMod val="75000"/>
+              </a:schemeClr>
+            </a:solidFill>
+          </a:ln>
+        </p:spPr>
+        <p:style>
+          <a:lnRef idx="2">
+            <a:schemeClr val="accent1"/>
+          </a:lnRef>
+          <a:fillRef idx="1">
+            <a:schemeClr val="lt1"/>
+          </a:fillRef>
+          <a:effectRef idx="0">
+            <a:schemeClr val="accent1"/>
+          </a:effectRef>
+          <a:fontRef idx="minor">
+            <a:schemeClr val="dk1"/>
+          </a:fontRef>
+        </p:style>
+        <p:txBody>
+          <a:bodyPr wrap="square" rtlCol="0">
+            <a:spAutoFit/>
+          </a:bodyPr>
+          <a:lstStyle/>
+          <a:p>
+            <a:pPr algn="ctr"/>
+            <a:r>
+              <a:rPr lang="ko-KR" altLang="en-US" sz="1400" dirty="0" smtClean="0"/>
+              <a:t>상품 찾기</a:t>
+            </a:r>
+            <a:endParaRPr lang="ko-KR" altLang="en-US" sz="1400" dirty="0"/>
+          </a:p>
+        </p:txBody>
+      </p:sp>
+      <p:sp>
+        <p:nvSpPr>
+          <p:cNvPr id="60" name="TextBox 59"/>
+          <p:cNvSpPr txBox="1"/>
+          <p:nvPr/>
+        </p:nvSpPr>
+        <p:spPr>
+          <a:xfrm>
+            <a:off x="3044402" y="1330526"/>
+            <a:ext cx="1308406" cy="307777"/>
+          </a:xfrm>
+          <a:prstGeom prst="rect">
+            <a:avLst/>
+          </a:prstGeom>
+          <a:ln>
+            <a:solidFill>
+              <a:schemeClr val="accent6">
+                <a:lumMod val="75000"/>
+              </a:schemeClr>
+            </a:solidFill>
+          </a:ln>
+        </p:spPr>
+        <p:style>
+          <a:lnRef idx="2">
+            <a:schemeClr val="accent1"/>
+          </a:lnRef>
+          <a:fillRef idx="1">
+            <a:schemeClr val="lt1"/>
+          </a:fillRef>
+          <a:effectRef idx="0">
+            <a:schemeClr val="accent1"/>
+          </a:effectRef>
+          <a:fontRef idx="minor">
+            <a:schemeClr val="dk1"/>
+          </a:fontRef>
+        </p:style>
+        <p:txBody>
+          <a:bodyPr wrap="square" rtlCol="0">
+            <a:spAutoFit/>
+          </a:bodyPr>
+          <a:lstStyle/>
+          <a:p>
+            <a:pPr algn="ctr"/>
+            <a:r>
+              <a:rPr lang="ko-KR" altLang="en-US" sz="1400" dirty="0" smtClean="0"/>
+              <a:t>상품 확인</a:t>
+            </a:r>
+            <a:endParaRPr lang="ko-KR" altLang="en-US" sz="1400" dirty="0"/>
+          </a:p>
+        </p:txBody>
+      </p:sp>
+      <p:sp>
+        <p:nvSpPr>
+          <p:cNvPr id="61" name="TextBox 60"/>
+          <p:cNvSpPr txBox="1"/>
+          <p:nvPr/>
+        </p:nvSpPr>
+        <p:spPr>
+          <a:xfrm>
+            <a:off x="3923928" y="1829425"/>
+            <a:ext cx="1170674" cy="307777"/>
           </a:xfrm>
           <a:prstGeom prst="rect">
             <a:avLst/>
@@ -5766,23 +6677,23 @@
           <a:p>
             <a:pPr algn="ctr"/>
             <a:r>
-              <a:rPr lang="en-US" altLang="ko-KR" sz="1200" dirty="0" err="1" smtClean="0"/>
-              <a:t>QnA</a:t>
-            </a:r>
-            <a:endParaRPr lang="ko-KR" altLang="en-US" sz="1200" dirty="0"/>
-          </a:p>
-        </p:txBody>
-      </p:sp>
-      <p:sp>
-        <p:nvSpPr>
-          <p:cNvPr id="55" name="TextBox 54"/>
+              <a:rPr lang="ko-KR" altLang="en-US" sz="1400" dirty="0" smtClean="0"/>
+              <a:t>베스트셀러</a:t>
+            </a:r>
+            <a:endParaRPr lang="ko-KR" altLang="en-US" sz="1400" dirty="0"/>
+          </a:p>
+        </p:txBody>
+      </p:sp>
+      <p:sp>
+        <p:nvSpPr>
+          <p:cNvPr id="62" name="TextBox 61"/>
           <p:cNvSpPr txBox="1"/>
           <p:nvPr/>
         </p:nvSpPr>
         <p:spPr>
           <a:xfrm>
-            <a:off x="6012160" y="1844824"/>
-            <a:ext cx="891107" cy="461665"/>
+            <a:off x="395536" y="1831774"/>
+            <a:ext cx="1170674" cy="307777"/>
           </a:xfrm>
           <a:prstGeom prst="rect">
             <a:avLst/>
@@ -5817,337 +6728,117 @@
           <a:p>
             <a:pPr algn="ctr"/>
             <a:r>
-              <a:rPr lang="ko-KR" altLang="en-US" sz="1200" dirty="0" smtClean="0"/>
-              <a:t>우리 동네 </a:t>
-            </a:r>
-            <a:endParaRPr lang="en-US" altLang="ko-KR" sz="1200" dirty="0" smtClean="0"/>
-          </a:p>
-          <a:p>
-            <a:pPr algn="ctr"/>
-            <a:r>
-              <a:rPr lang="ko-KR" altLang="en-US" sz="1200" dirty="0" smtClean="0"/>
-              <a:t>정보</a:t>
-            </a:r>
-            <a:endParaRPr lang="en-US" altLang="ko-KR" sz="1200" dirty="0" smtClean="0"/>
-          </a:p>
-        </p:txBody>
-      </p:sp>
-      <p:sp>
-        <p:nvSpPr>
-          <p:cNvPr id="56" name="TextBox 55"/>
-          <p:cNvSpPr txBox="1"/>
-          <p:nvPr/>
-        </p:nvSpPr>
-        <p:spPr>
-          <a:xfrm>
-            <a:off x="8034127" y="1945930"/>
-            <a:ext cx="891107" cy="276999"/>
-          </a:xfrm>
-          <a:prstGeom prst="rect">
-            <a:avLst/>
-          </a:prstGeom>
-          <a:ln>
-            <a:solidFill>
-              <a:schemeClr val="accent1">
-                <a:lumMod val="75000"/>
-              </a:schemeClr>
-            </a:solidFill>
-          </a:ln>
+              <a:rPr lang="ko-KR" altLang="en-US" sz="1400" dirty="0" err="1" smtClean="0"/>
+              <a:t>검색창</a:t>
+            </a:r>
+            <a:endParaRPr lang="ko-KR" altLang="en-US" sz="1400" dirty="0"/>
+          </a:p>
+        </p:txBody>
+      </p:sp>
+      <p:sp>
+        <p:nvSpPr>
+          <p:cNvPr id="17" name="다이아몬드 16"/>
+          <p:cNvSpPr/>
+          <p:nvPr/>
+        </p:nvSpPr>
+        <p:spPr>
+          <a:xfrm>
+            <a:off x="1718294" y="566911"/>
+            <a:ext cx="2061618" cy="571035"/>
+          </a:xfrm>
+          <a:prstGeom prst="diamond">
+            <a:avLst/>
+          </a:prstGeom>
         </p:spPr>
         <p:style>
           <a:lnRef idx="2">
-            <a:schemeClr val="accent1"/>
+            <a:schemeClr val="dk1"/>
           </a:lnRef>
           <a:fillRef idx="1">
             <a:schemeClr val="lt1"/>
           </a:fillRef>
           <a:effectRef idx="0">
-            <a:schemeClr val="accent1"/>
-          </a:effectRef>
-          <a:fontRef idx="minor">
             <a:schemeClr val="dk1"/>
-          </a:fontRef>
-        </p:style>
-        <p:txBody>
-          <a:bodyPr wrap="square" rtlCol="0">
-            <a:spAutoFit/>
-          </a:bodyPr>
+          </a:effectRef>
+          <a:fontRef idx="minor">
+            <a:schemeClr val="dk1"/>
+          </a:fontRef>
+        </p:style>
+        <p:txBody>
+          <a:bodyPr rtlCol="0" anchor="ctr"/>
           <a:lstStyle/>
           <a:p>
             <a:pPr algn="ctr"/>
             <a:r>
-              <a:rPr lang="ko-KR" altLang="en-US" sz="1200" dirty="0" smtClean="0"/>
-              <a:t>고객센터</a:t>
-            </a:r>
-            <a:endParaRPr lang="ko-KR" altLang="en-US" sz="1200" dirty="0"/>
-          </a:p>
-        </p:txBody>
-      </p:sp>
-      <p:sp>
-        <p:nvSpPr>
-          <p:cNvPr id="57" name="TextBox 56"/>
-          <p:cNvSpPr txBox="1"/>
-          <p:nvPr/>
-        </p:nvSpPr>
-        <p:spPr>
-          <a:xfrm>
-            <a:off x="5861207" y="6237312"/>
-            <a:ext cx="1573441" cy="461665"/>
-          </a:xfrm>
-          <a:prstGeom prst="rect">
-            <a:avLst/>
-          </a:prstGeom>
-          <a:ln>
-            <a:solidFill>
-              <a:srgbClr val="C00000"/>
-            </a:solidFill>
-          </a:ln>
+              <a:rPr lang="ko-KR" altLang="en-US" sz="1200" spc="-150" dirty="0"/>
+              <a:t>찾</a:t>
+            </a:r>
+            <a:r>
+              <a:rPr lang="ko-KR" altLang="en-US" sz="1200" spc="-150" dirty="0" smtClean="0"/>
+              <a:t>는 상품이 있는가</a:t>
+            </a:r>
+            <a:r>
+              <a:rPr lang="en-US" altLang="ko-KR" sz="1200" spc="-150" dirty="0" smtClean="0"/>
+              <a:t>?</a:t>
+            </a:r>
+            <a:endParaRPr lang="ko-KR" altLang="en-US" sz="1200" spc="-150" dirty="0"/>
+          </a:p>
+        </p:txBody>
+      </p:sp>
+      <p:sp>
+        <p:nvSpPr>
+          <p:cNvPr id="89" name="다이아몬드 88"/>
+          <p:cNvSpPr/>
+          <p:nvPr/>
+        </p:nvSpPr>
+        <p:spPr>
+          <a:xfrm>
+            <a:off x="4611167" y="563926"/>
+            <a:ext cx="2121073" cy="571035"/>
+          </a:xfrm>
+          <a:prstGeom prst="diamond">
+            <a:avLst/>
+          </a:prstGeom>
         </p:spPr>
         <p:style>
           <a:lnRef idx="2">
-            <a:schemeClr val="accent3"/>
+            <a:schemeClr val="dk1"/>
           </a:lnRef>
           <a:fillRef idx="1">
             <a:schemeClr val="lt1"/>
           </a:fillRef>
           <a:effectRef idx="0">
-            <a:schemeClr val="accent3"/>
-          </a:effectRef>
-          <a:fontRef idx="minor">
             <a:schemeClr val="dk1"/>
-          </a:fontRef>
-        </p:style>
-        <p:txBody>
-          <a:bodyPr wrap="square" rtlCol="0">
-            <a:spAutoFit/>
-          </a:bodyPr>
+          </a:effectRef>
+          <a:fontRef idx="minor">
+            <a:schemeClr val="dk1"/>
+          </a:fontRef>
+        </p:style>
+        <p:txBody>
+          <a:bodyPr rtlCol="0" anchor="ctr"/>
           <a:lstStyle/>
           <a:p>
             <a:pPr algn="ctr"/>
             <a:r>
-              <a:rPr lang="ko-KR" altLang="en-US" sz="1200" dirty="0" smtClean="0"/>
-              <a:t>결제 및</a:t>
-            </a:r>
-            <a:endParaRPr lang="en-US" altLang="ko-KR" sz="1200" dirty="0" smtClean="0"/>
-          </a:p>
-          <a:p>
-            <a:pPr algn="ctr"/>
-            <a:r>
-              <a:rPr lang="ko-KR" altLang="en-US" sz="1200" dirty="0" smtClean="0"/>
-              <a:t>커뮤니티 기능 이용</a:t>
-            </a:r>
-            <a:endParaRPr lang="ko-KR" altLang="en-US" sz="1200" dirty="0"/>
-          </a:p>
-        </p:txBody>
-      </p:sp>
-      <p:sp>
-        <p:nvSpPr>
-          <p:cNvPr id="148" name="TextBox 147"/>
+              <a:rPr lang="ko-KR" altLang="en-US" sz="1100" spc="-150" dirty="0" smtClean="0"/>
+              <a:t>커뮤니티 기능을 사용할 것인가</a:t>
+            </a:r>
+            <a:r>
+              <a:rPr lang="en-US" altLang="ko-KR" sz="1100" spc="-150" dirty="0" smtClean="0"/>
+              <a:t>?</a:t>
+            </a:r>
+          </a:p>
+        </p:txBody>
+      </p:sp>
+      <p:sp>
+        <p:nvSpPr>
+          <p:cNvPr id="91" name="TextBox 90"/>
           <p:cNvSpPr txBox="1"/>
           <p:nvPr/>
         </p:nvSpPr>
         <p:spPr>
           <a:xfrm>
-            <a:off x="6500058" y="5744289"/>
-            <a:ext cx="934591" cy="276999"/>
-          </a:xfrm>
-          <a:prstGeom prst="rect">
-            <a:avLst/>
-          </a:prstGeom>
-          <a:ln>
-            <a:solidFill>
-              <a:schemeClr val="accent4">
-                <a:lumMod val="60000"/>
-                <a:lumOff val="40000"/>
-              </a:schemeClr>
-            </a:solidFill>
-          </a:ln>
-        </p:spPr>
-        <p:style>
-          <a:lnRef idx="2">
-            <a:schemeClr val="accent3"/>
-          </a:lnRef>
-          <a:fillRef idx="1">
-            <a:schemeClr val="lt1"/>
-          </a:fillRef>
-          <a:effectRef idx="0">
-            <a:schemeClr val="accent3"/>
-          </a:effectRef>
-          <a:fontRef idx="minor">
-            <a:schemeClr val="dk1"/>
-          </a:fontRef>
-        </p:style>
-        <p:txBody>
-          <a:bodyPr wrap="square" rtlCol="0">
-            <a:spAutoFit/>
-          </a:bodyPr>
-          <a:lstStyle/>
-          <a:p>
-            <a:pPr algn="ctr"/>
-            <a:r>
-              <a:rPr lang="ko-KR" altLang="en-US" sz="1200" dirty="0" smtClean="0"/>
-              <a:t>가입 완료</a:t>
-            </a:r>
-            <a:endParaRPr lang="ko-KR" altLang="en-US" sz="1200" dirty="0"/>
-          </a:p>
-        </p:txBody>
-      </p:sp>
-      <p:sp>
-        <p:nvSpPr>
-          <p:cNvPr id="154" name="TextBox 153"/>
-          <p:cNvSpPr txBox="1"/>
-          <p:nvPr/>
-        </p:nvSpPr>
-        <p:spPr>
-          <a:xfrm>
-            <a:off x="6012160" y="2909956"/>
-            <a:ext cx="891107" cy="276999"/>
-          </a:xfrm>
-          <a:prstGeom prst="rect">
-            <a:avLst/>
-          </a:prstGeom>
-          <a:ln>
-            <a:solidFill>
-              <a:srgbClr val="00B0F0"/>
-            </a:solidFill>
-          </a:ln>
-        </p:spPr>
-        <p:style>
-          <a:lnRef idx="2">
-            <a:schemeClr val="accent3"/>
-          </a:lnRef>
-          <a:fillRef idx="1">
-            <a:schemeClr val="lt1"/>
-          </a:fillRef>
-          <a:effectRef idx="0">
-            <a:schemeClr val="accent3"/>
-          </a:effectRef>
-          <a:fontRef idx="minor">
-            <a:schemeClr val="dk1"/>
-          </a:fontRef>
-        </p:style>
-        <p:txBody>
-          <a:bodyPr wrap="square" rtlCol="0">
-            <a:spAutoFit/>
-          </a:bodyPr>
-          <a:lstStyle/>
-          <a:p>
-            <a:pPr algn="ctr"/>
-            <a:r>
-              <a:rPr lang="ko-KR" altLang="en-US" sz="1200" dirty="0" smtClean="0"/>
-              <a:t>병원 추천</a:t>
-            </a:r>
-            <a:endParaRPr lang="ko-KR" altLang="en-US" sz="1200" dirty="0"/>
-          </a:p>
-        </p:txBody>
-      </p:sp>
-      <p:sp>
-        <p:nvSpPr>
-          <p:cNvPr id="156" name="TextBox 155"/>
-          <p:cNvSpPr txBox="1"/>
-          <p:nvPr/>
-        </p:nvSpPr>
-        <p:spPr>
-          <a:xfrm>
-            <a:off x="6012160" y="3298034"/>
-            <a:ext cx="891107" cy="276999"/>
-          </a:xfrm>
-          <a:prstGeom prst="rect">
-            <a:avLst/>
-          </a:prstGeom>
-          <a:ln>
-            <a:solidFill>
-              <a:srgbClr val="00B0F0"/>
-            </a:solidFill>
-          </a:ln>
-        </p:spPr>
-        <p:style>
-          <a:lnRef idx="2">
-            <a:schemeClr val="accent3"/>
-          </a:lnRef>
-          <a:fillRef idx="1">
-            <a:schemeClr val="lt1"/>
-          </a:fillRef>
-          <a:effectRef idx="0">
-            <a:schemeClr val="accent3"/>
-          </a:effectRef>
-          <a:fontRef idx="minor">
-            <a:schemeClr val="dk1"/>
-          </a:fontRef>
-        </p:style>
-        <p:txBody>
-          <a:bodyPr wrap="square" rtlCol="0">
-            <a:spAutoFit/>
-          </a:bodyPr>
-          <a:lstStyle/>
-          <a:p>
-            <a:pPr algn="ctr"/>
-            <a:r>
-              <a:rPr lang="ko-KR" altLang="en-US" sz="1200" dirty="0" smtClean="0"/>
-              <a:t>미용 추천</a:t>
-            </a:r>
-            <a:endParaRPr lang="ko-KR" altLang="en-US" sz="1200" dirty="0"/>
-          </a:p>
-        </p:txBody>
-      </p:sp>
-      <p:sp>
-        <p:nvSpPr>
-          <p:cNvPr id="157" name="TextBox 156"/>
-          <p:cNvSpPr txBox="1"/>
-          <p:nvPr/>
-        </p:nvSpPr>
-        <p:spPr>
-          <a:xfrm>
-            <a:off x="6012160" y="2521878"/>
-            <a:ext cx="891107" cy="276999"/>
-          </a:xfrm>
-          <a:prstGeom prst="rect">
-            <a:avLst/>
-          </a:prstGeom>
-          <a:ln>
-            <a:solidFill>
-              <a:srgbClr val="00B0F0"/>
-            </a:solidFill>
-          </a:ln>
-        </p:spPr>
-        <p:style>
-          <a:lnRef idx="2">
-            <a:schemeClr val="accent3"/>
-          </a:lnRef>
-          <a:fillRef idx="1">
-            <a:schemeClr val="lt1"/>
-          </a:fillRef>
-          <a:effectRef idx="0">
-            <a:schemeClr val="accent3"/>
-          </a:effectRef>
-          <a:fontRef idx="minor">
-            <a:schemeClr val="dk1"/>
-          </a:fontRef>
-        </p:style>
-        <p:txBody>
-          <a:bodyPr wrap="square" rtlCol="0">
-            <a:spAutoFit/>
-          </a:bodyPr>
-          <a:lstStyle/>
-          <a:p>
-            <a:pPr algn="ctr"/>
-            <a:r>
-              <a:rPr lang="ko-KR" altLang="en-US" sz="1200" dirty="0" smtClean="0"/>
-              <a:t>친구 찾기</a:t>
-            </a:r>
-            <a:endParaRPr lang="ko-KR" altLang="en-US" sz="1200" dirty="0"/>
-          </a:p>
-        </p:txBody>
-      </p:sp>
-      <p:sp>
-        <p:nvSpPr>
-          <p:cNvPr id="59" name="TextBox 58"/>
-          <p:cNvSpPr txBox="1"/>
-          <p:nvPr/>
-        </p:nvSpPr>
-        <p:spPr>
-          <a:xfrm>
-            <a:off x="755576" y="1332384"/>
+            <a:off x="6078037" y="1335294"/>
             <a:ext cx="1308406" cy="307777"/>
           </a:xfrm>
           <a:prstGeom prst="rect">
@@ -6184,7 +6875,7 @@
             <a:pPr algn="ctr"/>
             <a:r>
               <a:rPr lang="ko-KR" altLang="en-US" sz="1400" dirty="0" smtClean="0"/>
-              <a:t>상품 찾기</a:t>
+              <a:t>커뮤니티</a:t>
             </a:r>
             <a:endParaRPr lang="ko-KR" altLang="en-US" sz="1400" dirty="0"/>
           </a:p>
@@ -6192,326 +6883,27 @@
       </p:sp>
       <p:sp>
         <p:nvSpPr>
-          <p:cNvPr id="60" name="TextBox 59"/>
-          <p:cNvSpPr txBox="1"/>
-          <p:nvPr/>
-        </p:nvSpPr>
-        <p:spPr>
-          <a:xfrm>
-            <a:off x="3476450" y="1343576"/>
-            <a:ext cx="1308406" cy="307777"/>
-          </a:xfrm>
-          <a:prstGeom prst="rect">
-            <a:avLst/>
-          </a:prstGeom>
-          <a:ln>
-            <a:solidFill>
-              <a:schemeClr val="accent6">
-                <a:lumMod val="75000"/>
-              </a:schemeClr>
-            </a:solidFill>
-          </a:ln>
+          <p:cNvPr id="94" name="다이아몬드 93"/>
+          <p:cNvSpPr/>
+          <p:nvPr/>
+        </p:nvSpPr>
+        <p:spPr>
+          <a:xfrm>
+            <a:off x="3966453" y="4496070"/>
+            <a:ext cx="1462706" cy="447857"/>
+          </a:xfrm>
+          <a:prstGeom prst="diamond">
+            <a:avLst/>
+          </a:prstGeom>
         </p:spPr>
         <p:style>
           <a:lnRef idx="2">
-            <a:schemeClr val="accent1"/>
+            <a:schemeClr val="dk1"/>
           </a:lnRef>
           <a:fillRef idx="1">
             <a:schemeClr val="lt1"/>
           </a:fillRef>
           <a:effectRef idx="0">
-            <a:schemeClr val="accent1"/>
-          </a:effectRef>
-          <a:fontRef idx="minor">
-            <a:schemeClr val="dk1"/>
-          </a:fontRef>
-        </p:style>
-        <p:txBody>
-          <a:bodyPr wrap="square" rtlCol="0">
-            <a:spAutoFit/>
-          </a:bodyPr>
-          <a:lstStyle/>
-          <a:p>
-            <a:pPr algn="ctr"/>
-            <a:r>
-              <a:rPr lang="ko-KR" altLang="en-US" sz="1400" dirty="0" smtClean="0"/>
-              <a:t>상품 확인</a:t>
-            </a:r>
-            <a:endParaRPr lang="ko-KR" altLang="en-US" sz="1400" dirty="0"/>
-          </a:p>
-        </p:txBody>
-      </p:sp>
-      <p:sp>
-        <p:nvSpPr>
-          <p:cNvPr id="61" name="TextBox 60"/>
-          <p:cNvSpPr txBox="1"/>
-          <p:nvPr/>
-        </p:nvSpPr>
-        <p:spPr>
-          <a:xfrm>
-            <a:off x="4355976" y="1842475"/>
-            <a:ext cx="1170674" cy="307777"/>
-          </a:xfrm>
-          <a:prstGeom prst="rect">
-            <a:avLst/>
-          </a:prstGeom>
-          <a:ln>
-            <a:solidFill>
-              <a:schemeClr val="accent1">
-                <a:lumMod val="75000"/>
-              </a:schemeClr>
-            </a:solidFill>
-          </a:ln>
-        </p:spPr>
-        <p:style>
-          <a:lnRef idx="2">
-            <a:schemeClr val="accent1"/>
-          </a:lnRef>
-          <a:fillRef idx="1">
-            <a:schemeClr val="lt1"/>
-          </a:fillRef>
-          <a:effectRef idx="0">
-            <a:schemeClr val="accent1"/>
-          </a:effectRef>
-          <a:fontRef idx="minor">
-            <a:schemeClr val="dk1"/>
-          </a:fontRef>
-        </p:style>
-        <p:txBody>
-          <a:bodyPr wrap="square" rtlCol="0">
-            <a:spAutoFit/>
-          </a:bodyPr>
-          <a:lstStyle/>
-          <a:p>
-            <a:pPr algn="ctr"/>
-            <a:r>
-              <a:rPr lang="ko-KR" altLang="en-US" sz="1400" dirty="0" smtClean="0"/>
-              <a:t>베스트셀러</a:t>
-            </a:r>
-            <a:endParaRPr lang="ko-KR" altLang="en-US" sz="1400" dirty="0"/>
-          </a:p>
-        </p:txBody>
-      </p:sp>
-      <p:sp>
-        <p:nvSpPr>
-          <p:cNvPr id="62" name="TextBox 61"/>
-          <p:cNvSpPr txBox="1"/>
-          <p:nvPr/>
-        </p:nvSpPr>
-        <p:spPr>
-          <a:xfrm>
-            <a:off x="827584" y="1844824"/>
-            <a:ext cx="1170674" cy="307777"/>
-          </a:xfrm>
-          <a:prstGeom prst="rect">
-            <a:avLst/>
-          </a:prstGeom>
-          <a:ln>
-            <a:solidFill>
-              <a:schemeClr val="accent1">
-                <a:lumMod val="75000"/>
-              </a:schemeClr>
-            </a:solidFill>
-          </a:ln>
-        </p:spPr>
-        <p:style>
-          <a:lnRef idx="2">
-            <a:schemeClr val="accent1"/>
-          </a:lnRef>
-          <a:fillRef idx="1">
-            <a:schemeClr val="lt1"/>
-          </a:fillRef>
-          <a:effectRef idx="0">
-            <a:schemeClr val="accent1"/>
-          </a:effectRef>
-          <a:fontRef idx="minor">
-            <a:schemeClr val="dk1"/>
-          </a:fontRef>
-        </p:style>
-        <p:txBody>
-          <a:bodyPr wrap="square" rtlCol="0">
-            <a:spAutoFit/>
-          </a:bodyPr>
-          <a:lstStyle/>
-          <a:p>
-            <a:pPr algn="ctr"/>
-            <a:r>
-              <a:rPr lang="ko-KR" altLang="en-US" sz="1400" dirty="0" err="1" smtClean="0"/>
-              <a:t>검색창</a:t>
-            </a:r>
-            <a:endParaRPr lang="ko-KR" altLang="en-US" sz="1400" dirty="0"/>
-          </a:p>
-        </p:txBody>
-      </p:sp>
-      <p:sp>
-        <p:nvSpPr>
-          <p:cNvPr id="17" name="다이아몬드 16"/>
-          <p:cNvSpPr/>
-          <p:nvPr/>
-        </p:nvSpPr>
-        <p:spPr>
-          <a:xfrm>
-            <a:off x="2150342" y="579961"/>
-            <a:ext cx="2061618" cy="608987"/>
-          </a:xfrm>
-          <a:prstGeom prst="diamond">
-            <a:avLst/>
-          </a:prstGeom>
-        </p:spPr>
-        <p:style>
-          <a:lnRef idx="2">
-            <a:schemeClr val="dk1"/>
-          </a:lnRef>
-          <a:fillRef idx="1">
-            <a:schemeClr val="lt1"/>
-          </a:fillRef>
-          <a:effectRef idx="0">
-            <a:schemeClr val="dk1"/>
-          </a:effectRef>
-          <a:fontRef idx="minor">
-            <a:schemeClr val="dk1"/>
-          </a:fontRef>
-        </p:style>
-        <p:txBody>
-          <a:bodyPr rtlCol="0" anchor="ctr"/>
-          <a:lstStyle/>
-          <a:p>
-            <a:pPr algn="ctr"/>
-            <a:r>
-              <a:rPr lang="ko-KR" altLang="en-US" sz="1200" spc="-150" dirty="0"/>
-              <a:t>찾</a:t>
-            </a:r>
-            <a:r>
-              <a:rPr lang="ko-KR" altLang="en-US" sz="1200" spc="-150" dirty="0" smtClean="0"/>
-              <a:t>는 상품이 있는가</a:t>
-            </a:r>
-            <a:r>
-              <a:rPr lang="en-US" altLang="ko-KR" sz="1200" spc="-150" dirty="0" smtClean="0"/>
-              <a:t>?</a:t>
-            </a:r>
-            <a:endParaRPr lang="ko-KR" altLang="en-US" sz="1200" spc="-150" dirty="0"/>
-          </a:p>
-        </p:txBody>
-      </p:sp>
-      <p:sp>
-        <p:nvSpPr>
-          <p:cNvPr id="89" name="다이아몬드 88"/>
-          <p:cNvSpPr/>
-          <p:nvPr/>
-        </p:nvSpPr>
-        <p:spPr>
-          <a:xfrm>
-            <a:off x="5043215" y="576976"/>
-            <a:ext cx="2121073" cy="608987"/>
-          </a:xfrm>
-          <a:prstGeom prst="diamond">
-            <a:avLst/>
-          </a:prstGeom>
-        </p:spPr>
-        <p:style>
-          <a:lnRef idx="2">
-            <a:schemeClr val="dk1"/>
-          </a:lnRef>
-          <a:fillRef idx="1">
-            <a:schemeClr val="lt1"/>
-          </a:fillRef>
-          <a:effectRef idx="0">
-            <a:schemeClr val="dk1"/>
-          </a:effectRef>
-          <a:fontRef idx="minor">
-            <a:schemeClr val="dk1"/>
-          </a:fontRef>
-        </p:style>
-        <p:txBody>
-          <a:bodyPr rtlCol="0" anchor="ctr"/>
-          <a:lstStyle/>
-          <a:p>
-            <a:pPr algn="ctr"/>
-            <a:r>
-              <a:rPr lang="ko-KR" altLang="en-US" sz="1100" spc="-150" dirty="0" smtClean="0"/>
-              <a:t>커뮤니티 기능을 사용할 것인가</a:t>
-            </a:r>
-            <a:r>
-              <a:rPr lang="en-US" altLang="ko-KR" sz="1100" spc="-150" dirty="0" smtClean="0"/>
-              <a:t>?</a:t>
-            </a:r>
-          </a:p>
-        </p:txBody>
-      </p:sp>
-      <p:sp>
-        <p:nvSpPr>
-          <p:cNvPr id="91" name="TextBox 90"/>
-          <p:cNvSpPr txBox="1"/>
-          <p:nvPr/>
-        </p:nvSpPr>
-        <p:spPr>
-          <a:xfrm>
-            <a:off x="6510085" y="1348344"/>
-            <a:ext cx="1308406" cy="307777"/>
-          </a:xfrm>
-          <a:prstGeom prst="rect">
-            <a:avLst/>
-          </a:prstGeom>
-          <a:ln>
-            <a:solidFill>
-              <a:schemeClr val="accent6">
-                <a:lumMod val="75000"/>
-              </a:schemeClr>
-            </a:solidFill>
-          </a:ln>
-        </p:spPr>
-        <p:style>
-          <a:lnRef idx="2">
-            <a:schemeClr val="accent1"/>
-          </a:lnRef>
-          <a:fillRef idx="1">
-            <a:schemeClr val="lt1"/>
-          </a:fillRef>
-          <a:effectRef idx="0">
-            <a:schemeClr val="accent1"/>
-          </a:effectRef>
-          <a:fontRef idx="minor">
-            <a:schemeClr val="dk1"/>
-          </a:fontRef>
-        </p:style>
-        <p:txBody>
-          <a:bodyPr wrap="square" rtlCol="0">
-            <a:spAutoFit/>
-          </a:bodyPr>
-          <a:lstStyle/>
-          <a:p>
-            <a:pPr algn="ctr"/>
-            <a:r>
-              <a:rPr lang="ko-KR" altLang="en-US" sz="1400" dirty="0" smtClean="0"/>
-              <a:t>커뮤니티</a:t>
-            </a:r>
-            <a:endParaRPr lang="ko-KR" altLang="en-US" sz="1400" dirty="0"/>
-          </a:p>
-        </p:txBody>
-      </p:sp>
-      <p:sp>
-        <p:nvSpPr>
-          <p:cNvPr id="94" name="다이아몬드 93"/>
-          <p:cNvSpPr/>
-          <p:nvPr/>
-        </p:nvSpPr>
-        <p:spPr>
-          <a:xfrm>
-            <a:off x="4398501" y="4509120"/>
-            <a:ext cx="1462706" cy="477623"/>
-          </a:xfrm>
-          <a:prstGeom prst="diamond">
-            <a:avLst/>
-          </a:prstGeom>
-        </p:spPr>
-        <p:style>
-          <a:lnRef idx="2">
-            <a:schemeClr val="dk1"/>
-          </a:lnRef>
-          <a:fillRef idx="1">
-            <a:schemeClr val="lt1"/>
-          </a:fillRef>
-          <a:effectRef idx="0">
             <a:schemeClr val="dk1"/>
           </a:effectRef>
           <a:fontRef idx="minor">
@@ -6539,8 +6931,8 @@
         </p:nvSpPr>
         <p:spPr>
           <a:xfrm>
-            <a:off x="6219506" y="4504908"/>
-            <a:ext cx="1495697" cy="481836"/>
+            <a:off x="5787458" y="4491858"/>
+            <a:ext cx="1495697" cy="451808"/>
           </a:xfrm>
           <a:prstGeom prst="diamond">
             <a:avLst/>
@@ -6584,8 +6976,8 @@
         </p:nvCxnSpPr>
         <p:spPr>
           <a:xfrm rot="10800000" flipV="1">
-            <a:off x="1409780" y="884454"/>
-            <a:ext cx="740563" cy="447929"/>
+            <a:off x="977732" y="852428"/>
+            <a:ext cx="740563" cy="466905"/>
           </a:xfrm>
           <a:prstGeom prst="bentConnector2">
             <a:avLst/>
@@ -6619,8 +7011,8 @@
         </p:nvCxnSpPr>
         <p:spPr>
           <a:xfrm>
-            <a:off x="4211960" y="884455"/>
-            <a:ext cx="144016" cy="459121"/>
+            <a:off x="3779912" y="852429"/>
+            <a:ext cx="144016" cy="478097"/>
           </a:xfrm>
           <a:prstGeom prst="bentConnector2">
             <a:avLst/>
@@ -6655,7 +7047,7 @@
         </p:nvCxnSpPr>
         <p:spPr>
           <a:xfrm rot="10800000" flipV="1">
-            <a:off x="3181151" y="285081"/>
+            <a:off x="2749103" y="272031"/>
             <a:ext cx="598760" cy="294880"/>
           </a:xfrm>
           <a:prstGeom prst="bentConnector2">
@@ -6691,7 +7083,7 @@
         </p:nvCxnSpPr>
         <p:spPr>
           <a:xfrm flipV="1">
-            <a:off x="4211960" y="881470"/>
+            <a:off x="3779912" y="849444"/>
             <a:ext cx="831255" cy="2985"/>
           </a:xfrm>
           <a:prstGeom prst="bentConnector3">
@@ -6726,8 +7118,8 @@
         </p:nvCxnSpPr>
         <p:spPr>
           <a:xfrm>
-            <a:off x="7164288" y="881470"/>
-            <a:ext cx="373648" cy="450914"/>
+            <a:off x="6732240" y="849444"/>
+            <a:ext cx="373648" cy="469890"/>
           </a:xfrm>
           <a:prstGeom prst="bentConnector2">
             <a:avLst/>
@@ -6759,7 +7151,7 @@
         </p:nvSpPr>
         <p:spPr>
           <a:xfrm>
-            <a:off x="7668344" y="343275"/>
+            <a:off x="7236296" y="330225"/>
             <a:ext cx="1140086" cy="261610"/>
           </a:xfrm>
           <a:prstGeom prst="rect">
@@ -6811,7 +7203,7 @@
         </p:nvCxnSpPr>
         <p:spPr>
           <a:xfrm rot="5400000" flipH="1" flipV="1">
-            <a:off x="6834600" y="-256768"/>
+            <a:off x="6402552" y="-269818"/>
             <a:ext cx="102896" cy="1564592"/>
           </a:xfrm>
           <a:prstGeom prst="bentConnector2">
@@ -6847,7 +7239,7 @@
         </p:nvCxnSpPr>
         <p:spPr>
           <a:xfrm rot="10800000" flipV="1">
-            <a:off x="2380257" y="1996364"/>
+            <a:off x="1948209" y="1983314"/>
             <a:ext cx="445553" cy="505890"/>
           </a:xfrm>
           <a:prstGeom prst="bentConnector3">
@@ -6885,7 +7277,7 @@
         </p:nvCxnSpPr>
         <p:spPr>
           <a:xfrm rot="10800000" flipV="1">
-            <a:off x="2380257" y="1996364"/>
+            <a:off x="1948209" y="1983314"/>
             <a:ext cx="445553" cy="1010896"/>
           </a:xfrm>
           <a:prstGeom prst="bentConnector3">
@@ -6923,7 +7315,7 @@
         </p:nvCxnSpPr>
         <p:spPr>
           <a:xfrm rot="10800000" flipV="1">
-            <a:off x="2380259" y="1996364"/>
+            <a:off x="1948211" y="1983314"/>
             <a:ext cx="445551" cy="1508178"/>
           </a:xfrm>
           <a:prstGeom prst="bentConnector3">
@@ -6961,7 +7353,7 @@
         </p:nvCxnSpPr>
         <p:spPr>
           <a:xfrm rot="10800000" flipV="1">
-            <a:off x="2380259" y="1996363"/>
+            <a:off x="1948211" y="1983313"/>
             <a:ext cx="445551" cy="2025331"/>
           </a:xfrm>
           <a:prstGeom prst="bentConnector3">
@@ -6999,7 +7391,7 @@
         </p:nvCxnSpPr>
         <p:spPr>
           <a:xfrm rot="16200000" flipH="1">
-            <a:off x="1309019" y="1740921"/>
+            <a:off x="876971" y="1727871"/>
             <a:ext cx="204663" cy="3142"/>
           </a:xfrm>
           <a:prstGeom prst="bentConnector3">
@@ -7035,7 +7427,7 @@
         </p:nvCxnSpPr>
         <p:spPr>
           <a:xfrm rot="16200000" flipH="1">
-            <a:off x="1940027" y="1625495"/>
+            <a:off x="1507979" y="1612445"/>
             <a:ext cx="1083796" cy="2138008"/>
           </a:xfrm>
           <a:prstGeom prst="bentConnector2">
@@ -7071,7 +7463,7 @@
         </p:nvCxnSpPr>
         <p:spPr>
           <a:xfrm>
-            <a:off x="4442036" y="3236397"/>
+            <a:off x="4009988" y="3223347"/>
             <a:ext cx="242266" cy="1695"/>
           </a:xfrm>
           <a:prstGeom prst="bentConnector3">
@@ -7107,7 +7499,7 @@
         </p:nvCxnSpPr>
         <p:spPr>
           <a:xfrm rot="16200000" flipH="1">
-            <a:off x="4607081" y="2484483"/>
+            <a:off x="4175033" y="2471433"/>
             <a:ext cx="857007" cy="188543"/>
           </a:xfrm>
           <a:prstGeom prst="bentConnector3">
@@ -7143,7 +7535,7 @@
         </p:nvCxnSpPr>
         <p:spPr>
           <a:xfrm>
-            <a:off x="3292355" y="2502254"/>
+            <a:off x="2860307" y="2489204"/>
             <a:ext cx="704128" cy="595643"/>
           </a:xfrm>
           <a:prstGeom prst="bentConnector2">
@@ -7179,7 +7571,7 @@
         </p:nvCxnSpPr>
         <p:spPr>
           <a:xfrm>
-            <a:off x="3292355" y="3007260"/>
+            <a:off x="2860307" y="2994210"/>
             <a:ext cx="704128" cy="90637"/>
           </a:xfrm>
           <a:prstGeom prst="bentConnector2">
@@ -7215,7 +7607,7 @@
         </p:nvCxnSpPr>
         <p:spPr>
           <a:xfrm flipV="1">
-            <a:off x="3292356" y="3374896"/>
+            <a:off x="2860308" y="3361846"/>
             <a:ext cx="704127" cy="129646"/>
           </a:xfrm>
           <a:prstGeom prst="bentConnector2">
@@ -7251,7 +7643,7 @@
         </p:nvCxnSpPr>
         <p:spPr>
           <a:xfrm flipV="1">
-            <a:off x="3292356" y="3374896"/>
+            <a:off x="2860308" y="3361846"/>
             <a:ext cx="704127" cy="646799"/>
           </a:xfrm>
           <a:prstGeom prst="bentConnector2">
@@ -7287,7 +7679,7 @@
         </p:nvCxnSpPr>
         <p:spPr>
           <a:xfrm rot="5400000">
-            <a:off x="3675339" y="1387161"/>
+            <a:off x="3243291" y="1374111"/>
             <a:ext cx="191122" cy="719507"/>
           </a:xfrm>
           <a:prstGeom prst="bentConnector3">
@@ -7323,7 +7715,7 @@
         </p:nvCxnSpPr>
         <p:spPr>
           <a:xfrm rot="16200000" flipH="1">
-            <a:off x="4440422" y="1341584"/>
+            <a:off x="4008374" y="1328534"/>
             <a:ext cx="191122" cy="810660"/>
           </a:xfrm>
           <a:prstGeom prst="bentConnector3">
@@ -7359,7 +7751,7 @@
         </p:nvCxnSpPr>
         <p:spPr>
           <a:xfrm rot="5400000">
-            <a:off x="4971971" y="3626809"/>
+            <a:off x="4539923" y="3613759"/>
             <a:ext cx="315770" cy="1"/>
           </a:xfrm>
           <a:prstGeom prst="bentConnector3">
@@ -7395,7 +7787,7 @@
         </p:nvCxnSpPr>
         <p:spPr>
           <a:xfrm rot="5400000">
-            <a:off x="4906142" y="4285406"/>
+            <a:off x="4474094" y="4272356"/>
             <a:ext cx="447427" cy="1"/>
           </a:xfrm>
           <a:prstGeom prst="bentConnector3">
@@ -7431,8 +7823,8 @@
         </p:nvCxnSpPr>
         <p:spPr>
           <a:xfrm flipV="1">
-            <a:off x="5861207" y="4745826"/>
-            <a:ext cx="358299" cy="2106"/>
+            <a:off x="5429159" y="4717762"/>
+            <a:ext cx="358299" cy="2237"/>
           </a:xfrm>
           <a:prstGeom prst="bentConnector3">
             <a:avLst/>
@@ -7464,12 +7856,12 @@
         </p:nvCxnSpPr>
         <p:spPr>
           <a:xfrm rot="5400000">
-            <a:off x="6075600" y="3114683"/>
+            <a:off x="5643554" y="3101633"/>
             <a:ext cx="2281979" cy="498471"/>
           </a:xfrm>
           <a:prstGeom prst="bentConnector3">
             <a:avLst>
-              <a:gd name="adj1" fmla="val 83513"/>
+              <a:gd name="adj1" fmla="val 50000"/>
             </a:avLst>
           </a:prstGeom>
           <a:ln>
@@ -7502,12 +7894,12 @@
         </p:nvCxnSpPr>
         <p:spPr>
           <a:xfrm rot="5400000">
-            <a:off x="6582529" y="2607755"/>
+            <a:off x="6150481" y="2594705"/>
             <a:ext cx="2281979" cy="1512326"/>
           </a:xfrm>
           <a:prstGeom prst="bentConnector3">
             <a:avLst>
-              <a:gd name="adj1" fmla="val 83514"/>
+              <a:gd name="adj1" fmla="val 57819"/>
             </a:avLst>
           </a:prstGeom>
           <a:ln>
@@ -7539,9 +7931,9 @@
           <p:nvPr/>
         </p:nvCxnSpPr>
         <p:spPr>
-          <a:xfrm flipV="1">
-            <a:off x="7715203" y="4742877"/>
-            <a:ext cx="274586" cy="2949"/>
+          <a:xfrm>
+            <a:off x="7283155" y="4717762"/>
+            <a:ext cx="274586" cy="12065"/>
           </a:xfrm>
           <a:prstGeom prst="bentConnector3">
             <a:avLst/>
@@ -7576,8 +7968,8 @@
         </p:nvCxnSpPr>
         <p:spPr>
           <a:xfrm rot="16200000" flipH="1">
-            <a:off x="6843719" y="5110380"/>
-            <a:ext cx="248064" cy="792"/>
+            <a:off x="6396657" y="5082316"/>
+            <a:ext cx="278092" cy="792"/>
           </a:xfrm>
           <a:prstGeom prst="bentConnector3">
             <a:avLst/>
@@ -7612,7 +8004,7 @@
         </p:nvCxnSpPr>
         <p:spPr>
           <a:xfrm rot="5400000">
-            <a:off x="6851510" y="5627652"/>
+            <a:off x="6419462" y="5614602"/>
             <a:ext cx="232482" cy="793"/>
           </a:xfrm>
           <a:prstGeom prst="bentConnector3">
@@ -7648,8 +8040,8 @@
         </p:nvCxnSpPr>
         <p:spPr>
           <a:xfrm rot="5400000">
-            <a:off x="6699629" y="5969587"/>
-            <a:ext cx="216024" cy="319426"/>
+            <a:off x="6385681" y="6074637"/>
+            <a:ext cx="216024" cy="83227"/>
           </a:xfrm>
           <a:prstGeom prst="bentConnector3">
             <a:avLst/>
@@ -7684,13 +8076,13 @@
         </p:nvCxnSpPr>
         <p:spPr>
           <a:xfrm rot="10800000" flipH="1" flipV="1">
-            <a:off x="6012159" y="2075656"/>
+            <a:off x="5580111" y="2062606"/>
             <a:ext cx="955195" cy="2429251"/>
           </a:xfrm>
           <a:prstGeom prst="bentConnector4">
             <a:avLst>
               <a:gd name="adj1" fmla="val -23932"/>
-              <a:gd name="adj2" fmla="val 84180"/>
+              <a:gd name="adj2" fmla="val 67604"/>
             </a:avLst>
           </a:prstGeom>
           <a:ln>
@@ -7723,7 +8115,7 @@
         </p:nvCxnSpPr>
         <p:spPr>
           <a:xfrm>
-            <a:off x="6457714" y="2306489"/>
+            <a:off x="6025666" y="2293439"/>
             <a:ext cx="0" cy="215389"/>
           </a:xfrm>
           <a:prstGeom prst="line">
@@ -7756,7 +8148,7 @@
         </p:nvCxnSpPr>
         <p:spPr>
           <a:xfrm>
-            <a:off x="6457714" y="2798877"/>
+            <a:off x="6025666" y="2785827"/>
             <a:ext cx="0" cy="111079"/>
           </a:xfrm>
           <a:prstGeom prst="line">
@@ -7789,7 +8181,7 @@
         </p:nvCxnSpPr>
         <p:spPr>
           <a:xfrm>
-            <a:off x="6457714" y="3186955"/>
+            <a:off x="6025666" y="3173905"/>
             <a:ext cx="0" cy="111079"/>
           </a:xfrm>
           <a:prstGeom prst="line">
@@ -7822,7 +8214,7 @@
         </p:nvCxnSpPr>
         <p:spPr>
           <a:xfrm rot="16200000" flipH="1">
-            <a:off x="7170153" y="1650256"/>
+            <a:off x="6738105" y="1637206"/>
             <a:ext cx="289809" cy="301538"/>
           </a:xfrm>
           <a:prstGeom prst="bentConnector3">
@@ -7858,7 +8250,7 @@
         </p:nvCxnSpPr>
         <p:spPr>
           <a:xfrm rot="16200000" flipH="1">
-            <a:off x="7677080" y="1143328"/>
+            <a:off x="7245032" y="1130278"/>
             <a:ext cx="289809" cy="1315393"/>
           </a:xfrm>
           <a:prstGeom prst="bentConnector3">
@@ -7894,7 +8286,7 @@
         </p:nvCxnSpPr>
         <p:spPr>
           <a:xfrm rot="5400000">
-            <a:off x="6716650" y="1397185"/>
+            <a:off x="6284602" y="1384135"/>
             <a:ext cx="188703" cy="706574"/>
           </a:xfrm>
           <a:prstGeom prst="bentConnector3">
@@ -7923,15 +8315,14 @@
         <p:nvCxnSpPr>
           <p:cNvPr id="233" name="꺾인 연결선 232"/>
           <p:cNvCxnSpPr>
-            <a:stCxn id="51" idx="2"/>
             <a:endCxn id="57" idx="3"/>
           </p:cNvCxnSpPr>
           <p:nvPr/>
         </p:nvCxnSpPr>
         <p:spPr>
           <a:xfrm rot="5400000">
-            <a:off x="7123495" y="5192529"/>
-            <a:ext cx="1586769" cy="964462"/>
+            <a:off x="6616523" y="5276753"/>
+            <a:ext cx="1472086" cy="699932"/>
           </a:xfrm>
           <a:prstGeom prst="bentConnector2">
             <a:avLst/>
@@ -7963,7 +8354,7 @@
         </p:nvSpPr>
         <p:spPr>
           <a:xfrm>
-            <a:off x="2639825" y="4612071"/>
+            <a:off x="2207777" y="4599021"/>
             <a:ext cx="1140086" cy="261610"/>
           </a:xfrm>
           <a:prstGeom prst="rect">
@@ -8012,7 +8403,7 @@
         </p:nvSpPr>
         <p:spPr>
           <a:xfrm>
-            <a:off x="1549353" y="610241"/>
+            <a:off x="1117305" y="597191"/>
             <a:ext cx="568679" cy="307777"/>
           </a:xfrm>
           <a:prstGeom prst="rect">
@@ -8043,7 +8434,7 @@
         </p:nvSpPr>
         <p:spPr>
           <a:xfrm>
-            <a:off x="6205416" y="209662"/>
+            <a:off x="5773368" y="196612"/>
             <a:ext cx="568679" cy="307777"/>
           </a:xfrm>
           <a:prstGeom prst="rect">
@@ -8074,7 +8465,7 @@
         </p:nvSpPr>
         <p:spPr>
           <a:xfrm>
-            <a:off x="7448618" y="812582"/>
+            <a:off x="7016570" y="799532"/>
             <a:ext cx="568679" cy="307777"/>
           </a:xfrm>
           <a:prstGeom prst="rect">
@@ -8105,7 +8496,7 @@
         </p:nvSpPr>
         <p:spPr>
           <a:xfrm>
-            <a:off x="5664484" y="4471478"/>
+            <a:off x="5232436" y="4458428"/>
             <a:ext cx="568679" cy="307777"/>
           </a:xfrm>
           <a:prstGeom prst="rect">
@@ -8136,7 +8527,7 @@
         </p:nvSpPr>
         <p:spPr>
           <a:xfrm>
-            <a:off x="7504823" y="4457986"/>
+            <a:off x="7072775" y="4444936"/>
             <a:ext cx="568679" cy="307777"/>
           </a:xfrm>
           <a:prstGeom prst="rect">
@@ -8167,7 +8558,7 @@
         </p:nvSpPr>
         <p:spPr>
           <a:xfrm>
-            <a:off x="4131291" y="620403"/>
+            <a:off x="3699243" y="607353"/>
             <a:ext cx="568679" cy="307777"/>
           </a:xfrm>
           <a:prstGeom prst="rect">
@@ -8198,7 +8589,7 @@
         </p:nvSpPr>
         <p:spPr>
           <a:xfrm>
-            <a:off x="3804865" y="4457986"/>
+            <a:off x="3372817" y="4444936"/>
             <a:ext cx="568679" cy="307777"/>
           </a:xfrm>
           <a:prstGeom prst="rect">
@@ -8229,7 +8620,7 @@
         </p:nvSpPr>
         <p:spPr>
           <a:xfrm>
-            <a:off x="6875671" y="4926612"/>
+            <a:off x="6443623" y="4913562"/>
             <a:ext cx="568679" cy="307777"/>
           </a:xfrm>
           <a:prstGeom prst="rect">
@@ -8262,9 +8653,9 @@
           <p:nvPr/>
         </p:nvCxnSpPr>
         <p:spPr>
-          <a:xfrm rot="10800000">
-            <a:off x="3779911" y="4742876"/>
-            <a:ext cx="618590" cy="5056"/>
+          <a:xfrm rot="10800000" flipV="1">
+            <a:off x="3347863" y="4719998"/>
+            <a:ext cx="618590" cy="9827"/>
           </a:xfrm>
           <a:prstGeom prst="bentConnector3">
             <a:avLst/>
@@ -8288,6 +8679,250 @@
           </a:fontRef>
         </p:style>
       </p:cxnSp>
+      <p:sp>
+        <p:nvSpPr>
+          <p:cNvPr id="78" name="TextBox 77"/>
+          <p:cNvSpPr txBox="1"/>
+          <p:nvPr/>
+        </p:nvSpPr>
+        <p:spPr>
+          <a:xfrm>
+            <a:off x="4022716" y="6164458"/>
+            <a:ext cx="1573441" cy="461665"/>
+          </a:xfrm>
+          <a:prstGeom prst="rect">
+            <a:avLst/>
+          </a:prstGeom>
+          <a:ln>
+            <a:solidFill>
+              <a:srgbClr val="C00000"/>
+            </a:solidFill>
+          </a:ln>
+        </p:spPr>
+        <p:style>
+          <a:lnRef idx="2">
+            <a:schemeClr val="accent3"/>
+          </a:lnRef>
+          <a:fillRef idx="1">
+            <a:schemeClr val="lt1"/>
+          </a:fillRef>
+          <a:effectRef idx="0">
+            <a:schemeClr val="accent3"/>
+          </a:effectRef>
+          <a:fontRef idx="minor">
+            <a:schemeClr val="dk1"/>
+          </a:fontRef>
+        </p:style>
+        <p:txBody>
+          <a:bodyPr wrap="square" rtlCol="0">
+            <a:spAutoFit/>
+          </a:bodyPr>
+          <a:lstStyle/>
+          <a:p>
+            <a:pPr algn="ctr"/>
+            <a:r>
+              <a:rPr lang="ko-KR" altLang="en-US" sz="1200" dirty="0" smtClean="0"/>
+              <a:t>결제 및</a:t>
+            </a:r>
+            <a:endParaRPr lang="en-US" altLang="ko-KR" sz="1200" dirty="0" smtClean="0"/>
+          </a:p>
+          <a:p>
+            <a:pPr algn="ctr"/>
+            <a:r>
+              <a:rPr lang="ko-KR" altLang="en-US" sz="1200" dirty="0" smtClean="0"/>
+              <a:t>커뮤니티 기능 이용</a:t>
+            </a:r>
+            <a:endParaRPr lang="ko-KR" altLang="en-US" sz="1200" dirty="0"/>
+          </a:p>
+        </p:txBody>
+      </p:sp>
+      <p:cxnSp>
+        <p:nvCxnSpPr>
+          <p:cNvPr id="79" name="꺾인 연결선 78"/>
+          <p:cNvCxnSpPr/>
+          <p:nvPr/>
+        </p:nvCxnSpPr>
+        <p:spPr>
+          <a:xfrm rot="10800000" flipV="1">
+            <a:off x="5608311" y="6360399"/>
+            <a:ext cx="281097" cy="2362"/>
+          </a:xfrm>
+          <a:prstGeom prst="bentConnector3">
+            <a:avLst>
+              <a:gd name="adj1" fmla="val 50000"/>
+            </a:avLst>
+          </a:prstGeom>
+          <a:ln>
+            <a:tailEnd type="triangle"/>
+          </a:ln>
+        </p:spPr>
+        <p:style>
+          <a:lnRef idx="1">
+            <a:schemeClr val="accent1"/>
+          </a:lnRef>
+          <a:fillRef idx="0">
+            <a:schemeClr val="accent1"/>
+          </a:fillRef>
+          <a:effectRef idx="0">
+            <a:schemeClr val="accent1"/>
+          </a:effectRef>
+          <a:fontRef idx="minor">
+            <a:schemeClr val="tx1"/>
+          </a:fontRef>
+        </p:style>
+      </p:cxnSp>
+      <p:sp>
+        <p:nvSpPr>
+          <p:cNvPr id="86" name="TextBox 85"/>
+          <p:cNvSpPr txBox="1"/>
+          <p:nvPr/>
+        </p:nvSpPr>
+        <p:spPr>
+          <a:xfrm>
+            <a:off x="7236296" y="4902119"/>
+            <a:ext cx="531976" cy="307777"/>
+          </a:xfrm>
+          <a:prstGeom prst="rect">
+            <a:avLst/>
+          </a:prstGeom>
+          <a:noFill/>
+        </p:spPr>
+        <p:txBody>
+          <a:bodyPr wrap="square" rtlCol="0">
+            <a:spAutoFit/>
+          </a:bodyPr>
+          <a:lstStyle/>
+          <a:p>
+            <a:pPr algn="ctr"/>
+            <a:r>
+              <a:rPr lang="en-US" altLang="ko-KR" sz="1400" b="1" dirty="0" smtClean="0"/>
+              <a:t>YES</a:t>
+            </a:r>
+            <a:endParaRPr lang="ko-KR" altLang="en-US" sz="1400" b="1" dirty="0"/>
+          </a:p>
+        </p:txBody>
+      </p:sp>
+      <p:sp>
+        <p:nvSpPr>
+          <p:cNvPr id="90" name="TextBox 89"/>
+          <p:cNvSpPr txBox="1"/>
+          <p:nvPr/>
+        </p:nvSpPr>
+        <p:spPr>
+          <a:xfrm>
+            <a:off x="8151054" y="4894672"/>
+            <a:ext cx="568679" cy="307777"/>
+          </a:xfrm>
+          <a:prstGeom prst="rect">
+            <a:avLst/>
+          </a:prstGeom>
+          <a:noFill/>
+        </p:spPr>
+        <p:txBody>
+          <a:bodyPr wrap="square" rtlCol="0">
+            <a:spAutoFit/>
+          </a:bodyPr>
+          <a:lstStyle/>
+          <a:p>
+            <a:pPr algn="ctr"/>
+            <a:r>
+              <a:rPr lang="en-US" altLang="ko-KR" sz="1400" b="1" dirty="0" smtClean="0"/>
+              <a:t>NO</a:t>
+            </a:r>
+            <a:endParaRPr lang="ko-KR" altLang="en-US" sz="1400" b="1" dirty="0"/>
+          </a:p>
+        </p:txBody>
+      </p:sp>
+      <p:cxnSp>
+        <p:nvCxnSpPr>
+          <p:cNvPr id="93" name="꺾인 연결선 92"/>
+          <p:cNvCxnSpPr/>
+          <p:nvPr/>
+        </p:nvCxnSpPr>
+        <p:spPr>
+          <a:xfrm rot="16200000" flipH="1">
+            <a:off x="8016013" y="5054189"/>
+            <a:ext cx="330664" cy="3636"/>
+          </a:xfrm>
+          <a:prstGeom prst="bentConnector3">
+            <a:avLst/>
+          </a:prstGeom>
+          <a:ln>
+            <a:tailEnd type="triangle"/>
+          </a:ln>
+        </p:spPr>
+        <p:style>
+          <a:lnRef idx="1">
+            <a:schemeClr val="accent1"/>
+          </a:lnRef>
+          <a:fillRef idx="0">
+            <a:schemeClr val="accent1"/>
+          </a:fillRef>
+          <a:effectRef idx="0">
+            <a:schemeClr val="accent1"/>
+          </a:effectRef>
+          <a:fontRef idx="minor">
+            <a:schemeClr val="tx1"/>
+          </a:fontRef>
+        </p:style>
+      </p:cxnSp>
+      <p:sp>
+        <p:nvSpPr>
+          <p:cNvPr id="96" name="TextBox 95"/>
+          <p:cNvSpPr txBox="1"/>
+          <p:nvPr/>
+        </p:nvSpPr>
+        <p:spPr>
+          <a:xfrm>
+            <a:off x="7806339" y="5230071"/>
+            <a:ext cx="1063336" cy="430887"/>
+          </a:xfrm>
+          <a:prstGeom prst="rect">
+            <a:avLst/>
+          </a:prstGeom>
+          <a:ln>
+            <a:solidFill>
+              <a:srgbClr val="00B050"/>
+            </a:solidFill>
+          </a:ln>
+        </p:spPr>
+        <p:style>
+          <a:lnRef idx="2">
+            <a:schemeClr val="accent3"/>
+          </a:lnRef>
+          <a:fillRef idx="1">
+            <a:schemeClr val="lt1"/>
+          </a:fillRef>
+          <a:effectRef idx="0">
+            <a:schemeClr val="accent3"/>
+          </a:effectRef>
+          <a:fontRef idx="minor">
+            <a:schemeClr val="dk1"/>
+          </a:fontRef>
+        </p:style>
+        <p:txBody>
+          <a:bodyPr wrap="square" rtlCol="0">
+            <a:spAutoFit/>
+          </a:bodyPr>
+          <a:lstStyle/>
+          <a:p>
+            <a:pPr algn="ctr"/>
+            <a:r>
+              <a:rPr lang="ko-KR" altLang="en-US" sz="1100" dirty="0" smtClean="0"/>
+              <a:t>아이디</a:t>
+            </a:r>
+            <a:r>
+              <a:rPr lang="en-US" altLang="ko-KR" sz="1100" dirty="0" smtClean="0"/>
+              <a:t>/</a:t>
+            </a:r>
+            <a:r>
+              <a:rPr lang="ko-KR" altLang="en-US" sz="1100" dirty="0" smtClean="0"/>
+              <a:t>비밀번호 찾기</a:t>
+            </a:r>
+            <a:endParaRPr lang="ko-KR" altLang="en-US" sz="1100" dirty="0"/>
+          </a:p>
+        </p:txBody>
+      </p:sp>
     </p:spTree>
     <p:extLst>
       <p:ext uri="{BB962C8B-B14F-4D97-AF65-F5344CB8AC3E}">
